--- a/text/Program.pptx
+++ b/text/Program.pptx
@@ -10,7 +10,6 @@
     <p:sldId id="261" r:id="rId4"/>
     <p:sldId id="262" r:id="rId5"/>
     <p:sldId id="263" r:id="rId6"/>
-    <p:sldId id="259" r:id="rId7"/>
   </p:sldIdLst>
   <p:sldSz cx="12192000" cy="6858000"/>
   <p:notesSz cx="6858000" cy="9144000"/>
@@ -2983,7 +2982,7 @@
         <p:spPr>
           <a:xfrm>
             <a:off x="4450461" y="769441"/>
-            <a:ext cx="3291840" cy="1143070"/>
+            <a:ext cx="3291840" cy="1200329"/>
           </a:xfrm>
           <a:prstGeom prst="rect">
             <a:avLst/>
@@ -3022,7 +3021,15 @@
             </a:r>
             <a:r>
               <a:rPr lang="en-US" altLang="zh-CN" sz="2400" b="1" dirty="0" smtClean="0"/>
-              <a:t>   8:00-12:00)</a:t>
+              <a:t>   </a:t>
+            </a:r>
+            <a:r>
+              <a:rPr lang="en-US" altLang="zh-CN" sz="2400" b="1" dirty="0" smtClean="0"/>
+              <a:t>8:30-12:00</a:t>
+            </a:r>
+            <a:r>
+              <a:rPr lang="en-US" altLang="zh-CN" sz="2400" b="1" dirty="0" smtClean="0"/>
+              <a:t>)</a:t>
             </a:r>
             <a:endParaRPr lang="zh-CN" altLang="en-US" sz="2400" b="1" dirty="0"/>
           </a:p>
@@ -3143,7 +3150,15 @@
             </a:r>
             <a:r>
               <a:rPr lang="en-US" altLang="zh-CN" sz="2400" b="1" dirty="0" smtClean="0"/>
-              <a:t>   14:00-17:20)</a:t>
+              <a:t>   </a:t>
+            </a:r>
+            <a:r>
+              <a:rPr lang="en-US" altLang="zh-CN" sz="2400" b="1" dirty="0" smtClean="0"/>
+              <a:t>14:30-17:40</a:t>
+            </a:r>
+            <a:r>
+              <a:rPr lang="en-US" altLang="zh-CN" sz="2400" b="1" dirty="0" smtClean="0"/>
+              <a:t>)</a:t>
             </a:r>
             <a:endParaRPr lang="zh-CN" altLang="en-US" sz="2400" b="1" dirty="0"/>
           </a:p>
@@ -3251,43 +3266,17 @@
             </a:r>
             <a:r>
               <a:rPr lang="en-US" altLang="zh-CN" sz="2400" b="1" dirty="0" smtClean="0"/>
-              <a:t> 14:00-17:20)</a:t>
+              <a:t> </a:t>
+            </a:r>
+            <a:r>
+              <a:rPr lang="en-US" altLang="zh-CN" sz="2400" b="1" dirty="0" smtClean="0"/>
+              <a:t>14:00-17:40</a:t>
+            </a:r>
+            <a:r>
+              <a:rPr lang="en-US" altLang="zh-CN" sz="2400" b="1" dirty="0" smtClean="0"/>
+              <a:t>)</a:t>
             </a:r>
             <a:endParaRPr lang="zh-CN" altLang="en-US" sz="2400" b="1" dirty="0"/>
-          </a:p>
-        </p:txBody>
-      </p:sp>
-      <p:sp>
-        <p:nvSpPr>
-          <p:cNvPr id="3" name="文本框 2"/>
-          <p:cNvSpPr txBox="1"/>
-          <p:nvPr/>
-        </p:nvSpPr>
-        <p:spPr>
-          <a:xfrm>
-            <a:off x="9445752" y="2912784"/>
-            <a:ext cx="1027525" cy="369332"/>
-          </a:xfrm>
-          <a:prstGeom prst="rect">
-            <a:avLst/>
-          </a:prstGeom>
-          <a:noFill/>
-        </p:spPr>
-        <p:txBody>
-          <a:bodyPr wrap="none" rtlCol="0">
-            <a:spAutoFit/>
-          </a:bodyPr>
-          <a:lstStyle/>
-          <a:p>
-            <a:r>
-              <a:rPr lang="en-US" altLang="zh-CN" dirty="0" err="1" smtClean="0"/>
-              <a:t>Acosutic</a:t>
-            </a:r>
-            <a:r>
-              <a:rPr lang="en-US" altLang="zh-CN" dirty="0" smtClean="0"/>
-              <a:t> </a:t>
-            </a:r>
-            <a:endParaRPr lang="zh-CN" altLang="en-US" dirty="0"/>
           </a:p>
         </p:txBody>
       </p:sp>
@@ -3376,15 +3365,7 @@
             </a:r>
             <a:r>
               <a:rPr lang="en-US" altLang="zh-CN" sz="2400" b="1" dirty="0" smtClean="0"/>
-              <a:t>   </a:t>
-            </a:r>
-            <a:r>
-              <a:rPr lang="en-US" altLang="zh-CN" sz="2400" b="1" dirty="0" smtClean="0"/>
-              <a:t>8:30-12:00</a:t>
-            </a:r>
-            <a:r>
-              <a:rPr lang="en-US" altLang="zh-CN" sz="2400" b="1" dirty="0" smtClean="0"/>
-              <a:t>)</a:t>
+              <a:t>   8:30-12:00)</a:t>
             </a:r>
             <a:endParaRPr lang="zh-CN" altLang="en-US" sz="2400" b="1" dirty="0"/>
           </a:p>
@@ -3399,14 +3380,14 @@
           <p:nvPr>
             <p:extLst>
               <p:ext uri="{D42A27DB-BD31-4B8C-83A1-F6EECF244321}">
-                <p14:modId xmlns:p14="http://schemas.microsoft.com/office/powerpoint/2010/main" val="1819860711"/>
+                <p14:modId xmlns:p14="http://schemas.microsoft.com/office/powerpoint/2010/main" val="977431104"/>
               </p:ext>
             </p:extLst>
           </p:nvPr>
         </p:nvGraphicFramePr>
         <p:xfrm>
-          <a:off x="1350756" y="1200329"/>
-          <a:ext cx="10080000" cy="5303520"/>
+          <a:off x="1854756" y="1129642"/>
+          <a:ext cx="9072000" cy="5137658"/>
         </p:xfrm>
         <a:graphic>
           <a:graphicData uri="http://schemas.openxmlformats.org/drawingml/2006/table">
@@ -3415,8 +3396,8 @@
                 <a:tableStyleId>{BDBED569-4797-4DF1-A0F4-6AAB3CD982D8}</a:tableStyleId>
               </a:tblPr>
               <a:tblGrid>
-                <a:gridCol w="1473467"/>
-                <a:gridCol w="8606533"/>
+                <a:gridCol w="1326120"/>
+                <a:gridCol w="7745880"/>
               </a:tblGrid>
               <a:tr h="370840">
                 <a:tc>
@@ -3426,16 +3407,16 @@
                     <a:p>
                       <a:pPr>
                         <a:lnSpc>
-                          <a:spcPct val="150000"/>
-                        </a:lnSpc>
-                      </a:pPr>
-                      <a:r>
-                        <a:rPr lang="en-US" altLang="zh-CN" sz="2000" b="0" dirty="0" smtClean="0">
+                          <a:spcPct val="120000"/>
+                        </a:lnSpc>
+                      </a:pPr>
+                      <a:r>
+                        <a:rPr lang="en-US" altLang="zh-CN" sz="1800" b="0" dirty="0" smtClean="0">
                           <a:latin typeface="+mn-lt"/>
                         </a:rPr>
                         <a:t>8:30-8:50</a:t>
                       </a:r>
-                      <a:endParaRPr lang="zh-CN" altLang="en-US" sz="2000" b="0" dirty="0">
+                      <a:endParaRPr lang="zh-CN" altLang="en-US" sz="1800" b="0" dirty="0">
                         <a:latin typeface="+mn-lt"/>
                       </a:endParaRPr>
                     </a:p>
@@ -3449,22 +3430,22 @@
                     <a:p>
                       <a:pPr>
                         <a:lnSpc>
-                          <a:spcPct val="100000"/>
-                        </a:lnSpc>
-                      </a:pPr>
-                      <a:r>
-                        <a:rPr lang="en-US" altLang="zh-CN" sz="2000" b="0" dirty="0" smtClean="0">
+                          <a:spcPct val="120000"/>
+                        </a:lnSpc>
+                      </a:pPr>
+                      <a:r>
+                        <a:rPr lang="en-US" altLang="zh-CN" sz="1800" b="0" dirty="0" smtClean="0">
                           <a:latin typeface="+mn-lt"/>
                         </a:rPr>
                         <a:t> Opening</a:t>
                       </a:r>
                       <a:r>
-                        <a:rPr lang="en-US" altLang="zh-CN" sz="2000" b="0" baseline="0" dirty="0" smtClean="0">
+                        <a:rPr lang="en-US" altLang="zh-CN" sz="1800" b="0" baseline="0" dirty="0" smtClean="0">
                           <a:latin typeface="+mn-lt"/>
                         </a:rPr>
                         <a:t> Ceremony</a:t>
                       </a:r>
-                      <a:endParaRPr lang="zh-CN" altLang="en-US" sz="2000" b="0" dirty="0">
+                      <a:endParaRPr lang="zh-CN" altLang="en-US" sz="1800" b="0" dirty="0">
                         <a:latin typeface="+mn-lt"/>
                       </a:endParaRPr>
                     </a:p>
@@ -3480,16 +3461,16 @@
                     <a:p>
                       <a:pPr>
                         <a:lnSpc>
-                          <a:spcPct val="150000"/>
-                        </a:lnSpc>
-                      </a:pPr>
-                      <a:r>
-                        <a:rPr lang="en-US" altLang="zh-CN" sz="2000" dirty="0" smtClean="0">
+                          <a:spcPct val="120000"/>
+                        </a:lnSpc>
+                      </a:pPr>
+                      <a:r>
+                        <a:rPr lang="en-US" altLang="zh-CN" sz="1800" dirty="0" smtClean="0">
                           <a:latin typeface="+mn-lt"/>
                         </a:rPr>
                         <a:t>8:50-9:15</a:t>
                       </a:r>
-                      <a:endParaRPr lang="zh-CN" altLang="en-US" sz="2000" dirty="0">
+                      <a:endParaRPr lang="zh-CN" altLang="en-US" sz="1800" dirty="0">
                         <a:latin typeface="+mn-lt"/>
                       </a:endParaRPr>
                     </a:p>
@@ -3501,9 +3482,103 @@
                     <a:bodyPr/>
                     <a:lstStyle/>
                     <a:p>
+                      <a:pPr>
+                        <a:lnSpc>
+                          <a:spcPct val="120000"/>
+                        </a:lnSpc>
+                      </a:pPr>
+                      <a:r>
+                        <a:rPr lang="zh-CN" altLang="en-US" sz="1800" dirty="0" smtClean="0">
+                          <a:latin typeface="+mn-lt"/>
+                        </a:rPr>
+                        <a:t>微纳结构中光与物质相互作用调控研究</a:t>
+                      </a:r>
+                      <a:endParaRPr lang="en-US" altLang="zh-CN" sz="1800" dirty="0" smtClean="0">
+                        <a:latin typeface="+mn-lt"/>
+                      </a:endParaRPr>
+                    </a:p>
+                    <a:p>
+                      <a:pPr>
+                        <a:lnSpc>
+                          <a:spcPct val="120000"/>
+                        </a:lnSpc>
+                      </a:pPr>
+                      <a:r>
+                        <a:rPr lang="en-US" altLang="zh-CN" sz="1800" i="0" dirty="0" err="1" smtClean="0">
+                          <a:latin typeface="+mn-lt"/>
+                        </a:rPr>
+                        <a:t>Xuehua</a:t>
+                      </a:r>
+                      <a:r>
+                        <a:rPr lang="en-US" altLang="zh-CN" sz="1800" i="0" baseline="0" dirty="0" smtClean="0">
+                          <a:latin typeface="+mn-lt"/>
+                        </a:rPr>
+                        <a:t> </a:t>
+                      </a:r>
+                      <a:r>
+                        <a:rPr lang="en-US" altLang="zh-CN" sz="1800" i="0" baseline="0" dirty="0" smtClean="0">
+                          <a:latin typeface="+mn-lt"/>
+                        </a:rPr>
+                        <a:t>Wang </a:t>
+                      </a:r>
+                      <a:r>
+                        <a:rPr lang="en-US" altLang="zh-CN" sz="1800" i="0" baseline="0" dirty="0" smtClean="0">
+                          <a:latin typeface="+mn-lt"/>
+                        </a:rPr>
+                        <a:t>(</a:t>
+                      </a:r>
+                      <a:r>
+                        <a:rPr lang="zh-CN" altLang="en-US" sz="1800" i="0" baseline="0" dirty="0" smtClean="0">
+                          <a:latin typeface="+mn-lt"/>
+                        </a:rPr>
+                        <a:t>王雪华</a:t>
+                      </a:r>
+                      <a:r>
+                        <a:rPr lang="en-US" altLang="zh-CN" sz="1800" i="0" baseline="0" dirty="0" smtClean="0">
+                          <a:latin typeface="+mn-lt"/>
+                        </a:rPr>
+                        <a:t>)</a:t>
+                      </a:r>
+                      <a:endParaRPr lang="zh-CN" altLang="en-US" sz="1800" i="0" dirty="0" smtClean="0">
+                        <a:latin typeface="+mn-lt"/>
+                      </a:endParaRPr>
+                    </a:p>
+                  </a:txBody>
+                  <a:tcPr anchor="ctr"/>
+                </a:tc>
+              </a:tr>
+              <a:tr h="370840">
+                <a:tc>
+                  <a:txBody>
+                    <a:bodyPr/>
+                    <a:lstStyle/>
+                    <a:p>
+                      <a:pPr>
+                        <a:lnSpc>
+                          <a:spcPct val="120000"/>
+                        </a:lnSpc>
+                      </a:pPr>
+                      <a:r>
+                        <a:rPr lang="en-US" altLang="zh-CN" sz="1800" dirty="0" smtClean="0">
+                          <a:latin typeface="+mn-lt"/>
+                        </a:rPr>
+                        <a:t>9:15-9:40</a:t>
+                      </a:r>
+                      <a:endParaRPr lang="zh-CN" altLang="en-US" sz="1800" dirty="0">
+                        <a:latin typeface="+mn-lt"/>
+                      </a:endParaRPr>
+                    </a:p>
+                  </a:txBody>
+                  <a:tcPr anchor="ctr"/>
+                </a:tc>
+                <a:tc>
+                  <a:txBody>
+                    <a:bodyPr/>
+                    <a:lstStyle/>
+                    <a:p>
                       <a:pPr marL="0" marR="0" lvl="0" indent="0" algn="l" defTabSz="914400" rtl="0" eaLnBrk="1" fontAlgn="auto" latinLnBrk="0" hangingPunct="1">
                         <a:lnSpc>
-                          <a:spcPct val="100000"/>
+                          <a:spcPct val="120000"/>
                         </a:lnSpc>
                         <a:spcBef>
                           <a:spcPts val="0"/>
@@ -3519,7 +3594,7 @@
                         <a:defRPr/>
                       </a:pPr>
                       <a:r>
-                        <a:rPr lang="en-US" altLang="zh-CN" sz="2000" dirty="0" smtClean="0">
+                        <a:rPr lang="en-US" altLang="zh-CN" sz="1800" dirty="0" smtClean="0">
                           <a:latin typeface="+mn-lt"/>
                         </a:rPr>
                         <a:t>Some unusual effects enabled by photonic crystals</a:t>
@@ -3528,7 +3603,7 @@
                     <a:p>
                       <a:pPr marL="0" marR="0" lvl="0" indent="0" algn="l" defTabSz="914400" rtl="0" eaLnBrk="1" fontAlgn="auto" latinLnBrk="0" hangingPunct="1">
                         <a:lnSpc>
-                          <a:spcPct val="100000"/>
+                          <a:spcPct val="120000"/>
                         </a:lnSpc>
                         <a:spcBef>
                           <a:spcPts val="0"/>
@@ -3544,12 +3619,30 @@
                         <a:defRPr/>
                       </a:pPr>
                       <a:r>
-                        <a:rPr lang="en-US" altLang="zh-CN" sz="2000" dirty="0" smtClean="0">
-                          <a:latin typeface="+mn-lt"/>
-                        </a:rPr>
-                        <a:t>By CT Chan</a:t>
-                      </a:r>
-                      <a:endParaRPr lang="zh-CN" altLang="en-US" sz="2000" dirty="0" smtClean="0">
+                        <a:rPr lang="en-US" altLang="zh-CN" sz="1800" dirty="0" err="1" smtClean="0">
+                          <a:latin typeface="+mn-lt"/>
+                        </a:rPr>
+                        <a:t>Che</a:t>
+                      </a:r>
+                      <a:r>
+                        <a:rPr lang="en-US" altLang="zh-CN" sz="1800" dirty="0" smtClean="0">
+                          <a:latin typeface="+mn-lt"/>
+                        </a:rPr>
+                        <a:t> Ting Chan (</a:t>
+                      </a:r>
+                      <a:r>
+                        <a:rPr lang="zh-CN" altLang="en-US" sz="1800" dirty="0" smtClean="0">
+                          <a:latin typeface="+mn-lt"/>
+                        </a:rPr>
+                        <a:t>陳子亭</a:t>
+                      </a:r>
+                      <a:r>
+                        <a:rPr lang="en-US" altLang="zh-CN" sz="1800" dirty="0" smtClean="0">
+                          <a:latin typeface="+mn-lt"/>
+                        </a:rPr>
+                        <a:t>)</a:t>
+                      </a:r>
+                      <a:endParaRPr lang="zh-CN" altLang="en-US" sz="1800" dirty="0" smtClean="0">
                         <a:latin typeface="+mn-lt"/>
                       </a:endParaRPr>
                     </a:p>
@@ -3565,16 +3658,16 @@
                     <a:p>
                       <a:pPr>
                         <a:lnSpc>
-                          <a:spcPct val="150000"/>
-                        </a:lnSpc>
-                      </a:pPr>
-                      <a:r>
-                        <a:rPr lang="en-US" altLang="zh-CN" sz="2000" dirty="0" smtClean="0">
-                          <a:latin typeface="+mn-lt"/>
-                        </a:rPr>
-                        <a:t>9:15-9:40</a:t>
-                      </a:r>
-                      <a:endParaRPr lang="zh-CN" altLang="en-US" sz="2000" dirty="0">
+                          <a:spcPct val="120000"/>
+                        </a:lnSpc>
+                      </a:pPr>
+                      <a:r>
+                        <a:rPr lang="en-US" altLang="zh-CN" sz="1800" dirty="0" smtClean="0">
+                          <a:latin typeface="+mn-lt"/>
+                        </a:rPr>
+                        <a:t>9:40-10:05</a:t>
+                      </a:r>
+                      <a:endParaRPr lang="zh-CN" altLang="en-US" sz="1800" dirty="0">
                         <a:latin typeface="+mn-lt"/>
                       </a:endParaRPr>
                     </a:p>
@@ -3588,44 +3681,65 @@
                     <a:p>
                       <a:pPr>
                         <a:lnSpc>
-                          <a:spcPct val="100000"/>
-                        </a:lnSpc>
-                      </a:pPr>
-                      <a:r>
-                        <a:rPr lang="zh-CN" altLang="en-US" sz="2000" dirty="0" smtClean="0">
-                          <a:latin typeface="+mn-lt"/>
-                        </a:rPr>
-                        <a:t>微纳结构中光与物质相互作用调控研究</a:t>
-                      </a:r>
-                      <a:endParaRPr lang="en-US" altLang="zh-CN" sz="2000" dirty="0" smtClean="0">
-                        <a:latin typeface="+mn-lt"/>
-                      </a:endParaRPr>
-                    </a:p>
-                    <a:p>
-                      <a:pPr>
-                        <a:lnSpc>
-                          <a:spcPct val="100000"/>
-                        </a:lnSpc>
-                      </a:pPr>
-                      <a:r>
-                        <a:rPr lang="en-US" altLang="zh-CN" sz="2000" dirty="0" smtClean="0">
+                          <a:spcPct val="120000"/>
+                        </a:lnSpc>
+                      </a:pPr>
+                      <a:r>
+                        <a:rPr lang="en-US" altLang="zh-CN" sz="1800" baseline="0" dirty="0" smtClean="0">
+                          <a:latin typeface="+mn-lt"/>
+                        </a:rPr>
+                        <a:t>TBA</a:t>
+                      </a:r>
+                    </a:p>
+                    <a:p>
+                      <a:pPr>
+                        <a:lnSpc>
+                          <a:spcPct val="120000"/>
+                        </a:lnSpc>
+                      </a:pPr>
+                      <a:r>
+                        <a:rPr lang="en-US" altLang="zh-CN" sz="1800" baseline="0" dirty="0" smtClean="0">
                           <a:latin typeface="+mn-lt"/>
                         </a:rPr>
                         <a:t>By </a:t>
                       </a:r>
                       <a:r>
-                        <a:rPr lang="en-US" altLang="zh-CN" sz="2000" dirty="0" err="1" smtClean="0">
-                          <a:latin typeface="+mn-lt"/>
-                        </a:rPr>
-                        <a:t>Xuehua</a:t>
-                      </a:r>
-                      <a:r>
-                        <a:rPr lang="en-US" altLang="zh-CN" sz="2000" baseline="0" dirty="0" smtClean="0">
-                          <a:latin typeface="+mn-lt"/>
-                        </a:rPr>
-                        <a:t> Wang </a:t>
-                      </a:r>
-                      <a:endParaRPr lang="zh-CN" altLang="en-US" sz="2000" dirty="0" smtClean="0">
+                        <a:rPr lang="en-US" altLang="zh-CN" sz="1800" dirty="0" err="1" smtClean="0">
+                          <a:latin typeface="+mn-lt"/>
+                        </a:rPr>
+                        <a:t>Xiaocong</a:t>
+                      </a:r>
+                      <a:r>
+                        <a:rPr lang="en-US" altLang="zh-CN" sz="1800" dirty="0" smtClean="0">
+                          <a:latin typeface="+mn-lt"/>
+                        </a:rPr>
+                        <a:t> Yuan </a:t>
+                      </a:r>
+                      <a:r>
+                        <a:rPr lang="en-US" altLang="zh-CN" sz="1800" dirty="0" smtClean="0">
+                          <a:latin typeface="+mn-lt"/>
+                        </a:rPr>
+                        <a:t>(</a:t>
+                      </a:r>
+                      <a:r>
+                        <a:rPr lang="zh-CN" altLang="en-US" sz="1800" b="0" i="0" kern="1200" dirty="0" smtClean="0">
+                          <a:solidFill>
+                            <a:schemeClr val="tx1"/>
+                          </a:solidFill>
+                          <a:effectLst/>
+                          <a:latin typeface="+mn-lt"/>
+                          <a:ea typeface="+mn-ea"/>
+                          <a:cs typeface="+mn-cs"/>
+                        </a:rPr>
+                        <a:t>袁小聪</a:t>
+                      </a:r>
+                      <a:r>
+                        <a:rPr lang="en-US" altLang="zh-CN" sz="1800" dirty="0" smtClean="0">
+                          <a:latin typeface="+mn-lt"/>
+                        </a:rPr>
+                        <a:t>)</a:t>
+                      </a:r>
+                      <a:endParaRPr lang="zh-CN" altLang="en-US" sz="1800" dirty="0">
                         <a:latin typeface="+mn-lt"/>
                       </a:endParaRPr>
                     </a:p>
@@ -3641,16 +3755,16 @@
                     <a:p>
                       <a:pPr>
                         <a:lnSpc>
-                          <a:spcPct val="150000"/>
-                        </a:lnSpc>
-                      </a:pPr>
-                      <a:r>
-                        <a:rPr lang="en-US" altLang="zh-CN" sz="2000" dirty="0" smtClean="0">
-                          <a:latin typeface="+mn-lt"/>
-                        </a:rPr>
-                        <a:t>9:40-10:05</a:t>
-                      </a:r>
-                      <a:endParaRPr lang="zh-CN" altLang="en-US" sz="2000" dirty="0">
+                          <a:spcPct val="120000"/>
+                        </a:lnSpc>
+                      </a:pPr>
+                      <a:r>
+                        <a:rPr lang="en-US" altLang="zh-CN" sz="1800" dirty="0" smtClean="0">
+                          <a:latin typeface="+mn-lt"/>
+                        </a:rPr>
+                        <a:t>10:05-10:45</a:t>
+                      </a:r>
+                      <a:endParaRPr lang="zh-CN" altLang="en-US" sz="1800" dirty="0">
                         <a:latin typeface="+mn-lt"/>
                       </a:endParaRPr>
                     </a:p>
@@ -3664,44 +3778,40 @@
                     <a:p>
                       <a:pPr>
                         <a:lnSpc>
-                          <a:spcPct val="100000"/>
-                        </a:lnSpc>
-                      </a:pPr>
-                      <a:r>
-                        <a:rPr lang="en-US" altLang="zh-CN" sz="2000" baseline="0" dirty="0" smtClean="0">
-                          <a:latin typeface="+mn-lt"/>
-                        </a:rPr>
-                        <a:t>TBA</a:t>
-                      </a:r>
-                      <a:endParaRPr lang="en-US" altLang="zh-CN" sz="2000" baseline="0" dirty="0" smtClean="0">
-                        <a:latin typeface="+mn-lt"/>
-                      </a:endParaRPr>
-                    </a:p>
-                    <a:p>
-                      <a:pPr>
-                        <a:lnSpc>
-                          <a:spcPct val="100000"/>
-                        </a:lnSpc>
-                      </a:pPr>
-                      <a:r>
-                        <a:rPr lang="en-US" altLang="zh-CN" sz="2000" baseline="0" dirty="0" smtClean="0">
-                          <a:latin typeface="+mn-lt"/>
-                        </a:rPr>
-                        <a:t>By </a:t>
-                      </a:r>
-                      <a:r>
-                        <a:rPr lang="en-US" altLang="zh-CN" sz="2000" dirty="0" err="1" smtClean="0">
-                          <a:latin typeface="+mn-lt"/>
-                        </a:rPr>
-                        <a:t>Xiaocong</a:t>
-                      </a:r>
-                      <a:r>
-                        <a:rPr lang="en-US" altLang="zh-CN" sz="2000" dirty="0" smtClean="0">
-                          <a:latin typeface="+mn-lt"/>
-                        </a:rPr>
-                        <a:t> Yuan </a:t>
-                      </a:r>
-                      <a:endParaRPr lang="zh-CN" altLang="en-US" sz="2000" dirty="0">
+                          <a:spcPct val="120000"/>
+                        </a:lnSpc>
+                      </a:pPr>
+                      <a:r>
+                        <a:rPr lang="en-US" altLang="zh-CN" sz="1800" dirty="0" smtClean="0">
+                          <a:solidFill>
+                            <a:schemeClr val="tx1"/>
+                          </a:solidFill>
+                          <a:latin typeface="+mn-lt"/>
+                        </a:rPr>
+                        <a:t>Coffee</a:t>
+                      </a:r>
+                      <a:r>
+                        <a:rPr lang="en-US" altLang="zh-CN" sz="1800" baseline="0" dirty="0" smtClean="0">
+                          <a:solidFill>
+                            <a:schemeClr val="tx1"/>
+                          </a:solidFill>
+                          <a:latin typeface="+mn-lt"/>
+                        </a:rPr>
+                        <a:t> </a:t>
+                      </a:r>
+                      <a:r>
+                        <a:rPr lang="en-US" altLang="zh-CN" sz="1800" baseline="0" dirty="0" smtClean="0">
+                          <a:solidFill>
+                            <a:schemeClr val="tx1"/>
+                          </a:solidFill>
+                          <a:latin typeface="+mn-lt"/>
+                        </a:rPr>
+                        <a:t>Break</a:t>
+                      </a:r>
+                      <a:endParaRPr lang="zh-CN" altLang="en-US" sz="1800" dirty="0">
+                        <a:solidFill>
+                          <a:schemeClr val="tx1"/>
+                        </a:solidFill>
                         <a:latin typeface="+mn-lt"/>
                       </a:endParaRPr>
                     </a:p>
@@ -3717,16 +3827,16 @@
                     <a:p>
                       <a:pPr>
                         <a:lnSpc>
-                          <a:spcPct val="150000"/>
-                        </a:lnSpc>
-                      </a:pPr>
-                      <a:r>
-                        <a:rPr lang="en-US" altLang="zh-CN" sz="2000" dirty="0" smtClean="0">
-                          <a:latin typeface="+mn-lt"/>
-                        </a:rPr>
-                        <a:t>10:05-10:45</a:t>
-                      </a:r>
-                      <a:endParaRPr lang="zh-CN" altLang="en-US" sz="2000" dirty="0">
+                          <a:spcPct val="120000"/>
+                        </a:lnSpc>
+                      </a:pPr>
+                      <a:r>
+                        <a:rPr lang="en-US" altLang="zh-CN" sz="1800" dirty="0" smtClean="0">
+                          <a:latin typeface="+mn-lt"/>
+                        </a:rPr>
+                        <a:t>10:45-11:10</a:t>
+                      </a:r>
+                      <a:endParaRPr lang="zh-CN" altLang="en-US" sz="1800" dirty="0">
                         <a:latin typeface="+mn-lt"/>
                       </a:endParaRPr>
                     </a:p>
@@ -3740,77 +3850,20 @@
                     <a:p>
                       <a:pPr>
                         <a:lnSpc>
-                          <a:spcPct val="100000"/>
-                        </a:lnSpc>
-                      </a:pPr>
-                      <a:r>
-                        <a:rPr lang="en-US" altLang="zh-CN" sz="2000" dirty="0" smtClean="0">
-                          <a:latin typeface="+mn-lt"/>
-                        </a:rPr>
-                        <a:t>Coffee</a:t>
-                      </a:r>
-                      <a:r>
-                        <a:rPr lang="en-US" altLang="zh-CN" sz="2000" baseline="0" dirty="0" smtClean="0">
-                          <a:latin typeface="+mn-lt"/>
-                        </a:rPr>
-                        <a:t> Break  and Photograph</a:t>
-                      </a:r>
-                      <a:endParaRPr lang="zh-CN" altLang="en-US" sz="2000" dirty="0">
-                        <a:latin typeface="+mn-lt"/>
-                      </a:endParaRPr>
-                    </a:p>
-                  </a:txBody>
-                  <a:tcPr anchor="ctr"/>
-                </a:tc>
-              </a:tr>
-              <a:tr h="370840">
-                <a:tc>
-                  <a:txBody>
-                    <a:bodyPr/>
-                    <a:lstStyle/>
-                    <a:p>
-                      <a:pPr>
-                        <a:lnSpc>
-                          <a:spcPct val="150000"/>
-                        </a:lnSpc>
-                      </a:pPr>
-                      <a:r>
-                        <a:rPr lang="en-US" altLang="zh-CN" sz="2000" dirty="0" smtClean="0">
-                          <a:latin typeface="+mn-lt"/>
-                        </a:rPr>
-                        <a:t>10:45-11:10</a:t>
-                      </a:r>
-                      <a:endParaRPr lang="zh-CN" altLang="en-US" sz="2000" dirty="0">
-                        <a:latin typeface="+mn-lt"/>
-                      </a:endParaRPr>
-                    </a:p>
-                  </a:txBody>
-                  <a:tcPr anchor="ctr"/>
-                </a:tc>
-                <a:tc>
-                  <a:txBody>
-                    <a:bodyPr/>
-                    <a:lstStyle/>
-                    <a:p>
-                      <a:pPr>
-                        <a:lnSpc>
-                          <a:spcPct val="100000"/>
-                        </a:lnSpc>
-                      </a:pPr>
-                      <a:r>
-                        <a:rPr lang="en-US" altLang="zh-CN" sz="2000" dirty="0" smtClean="0">
+                          <a:spcPct val="120000"/>
+                        </a:lnSpc>
+                      </a:pPr>
+                      <a:r>
+                        <a:rPr lang="en-US" altLang="zh-CN" sz="1800" dirty="0" smtClean="0">
                           <a:latin typeface="+mn-lt"/>
                         </a:rPr>
                         <a:t>TBA</a:t>
                       </a:r>
-                      <a:endParaRPr lang="en-US" altLang="zh-CN" sz="2000" dirty="0" smtClean="0">
-                        <a:latin typeface="+mn-lt"/>
-                      </a:endParaRPr>
                     </a:p>
                     <a:p>
                       <a:pPr marL="0" marR="0" lvl="0" indent="0" algn="l" defTabSz="914400" rtl="0" eaLnBrk="1" fontAlgn="auto" latinLnBrk="0" hangingPunct="1">
                         <a:lnSpc>
-                          <a:spcPct val="100000"/>
+                          <a:spcPct val="120000"/>
                         </a:lnSpc>
                         <a:spcBef>
                           <a:spcPts val="0"/>
@@ -3826,24 +3879,48 @@
                         <a:defRPr/>
                       </a:pPr>
                       <a:r>
-                        <a:rPr lang="en-US" altLang="zh-CN" sz="2000" dirty="0" smtClean="0">
-                          <a:latin typeface="+mn-lt"/>
-                        </a:rPr>
-                        <a:t>By KW </a:t>
-                      </a:r>
-                      <a:r>
-                        <a:rPr lang="en-US" altLang="zh-CN" sz="2000" dirty="0" err="1" smtClean="0">
+                        <a:rPr lang="en-US" altLang="zh-CN" sz="1800" dirty="0" smtClean="0">
+                          <a:latin typeface="+mn-lt"/>
+                        </a:rPr>
+                        <a:t>KW </a:t>
+                      </a:r>
+                      <a:r>
+                        <a:rPr lang="en-US" altLang="zh-CN" sz="1800" dirty="0" err="1" smtClean="0">
                           <a:latin typeface="+mn-lt"/>
                         </a:rPr>
                         <a:t>Cheah</a:t>
                       </a:r>
                       <a:r>
-                        <a:rPr lang="en-US" altLang="zh-CN" sz="2000" dirty="0" smtClean="0">
+                        <a:rPr lang="en-US" altLang="zh-CN" sz="1800" dirty="0" smtClean="0">
                           <a:latin typeface="+mn-lt"/>
                         </a:rPr>
                         <a:t> </a:t>
                       </a:r>
-                      <a:endParaRPr lang="zh-CN" altLang="en-US" sz="2000" dirty="0">
+                      <a:r>
+                        <a:rPr lang="en-US" altLang="zh-CN" sz="1800" dirty="0" smtClean="0">
+                          <a:latin typeface="+mn-lt"/>
+                        </a:rPr>
+                        <a:t>(</a:t>
+                      </a:r>
+                      <a:r>
+                        <a:rPr lang="zh-CN" altLang="en-US" sz="1800" b="0" i="0" kern="1200" dirty="0" smtClean="0">
+                          <a:solidFill>
+                            <a:schemeClr val="tx1"/>
+                          </a:solidFill>
+                          <a:effectLst/>
+                          <a:latin typeface="+mn-lt"/>
+                          <a:ea typeface="+mn-ea"/>
+                          <a:cs typeface="+mn-cs"/>
+                        </a:rPr>
+                        <a:t>謝國偉</a:t>
+                      </a:r>
+                      <a:r>
+                        <a:rPr lang="en-US" altLang="zh-CN" sz="1800" dirty="0" smtClean="0">
+                          <a:latin typeface="+mn-lt"/>
+                        </a:rPr>
+                        <a:t>)</a:t>
+                      </a:r>
+                      <a:endParaRPr lang="zh-CN" altLang="en-US" sz="1800" dirty="0">
                         <a:latin typeface="+mn-lt"/>
                       </a:endParaRPr>
                     </a:p>
@@ -3859,16 +3936,16 @@
                     <a:p>
                       <a:pPr>
                         <a:lnSpc>
-                          <a:spcPct val="150000"/>
-                        </a:lnSpc>
-                      </a:pPr>
-                      <a:r>
-                        <a:rPr lang="en-US" altLang="zh-CN" sz="2000" dirty="0" smtClean="0">
+                          <a:spcPct val="120000"/>
+                        </a:lnSpc>
+                      </a:pPr>
+                      <a:r>
+                        <a:rPr lang="en-US" altLang="zh-CN" sz="1800" dirty="0" smtClean="0">
                           <a:latin typeface="+mn-lt"/>
                         </a:rPr>
                         <a:t>11:10-11:35</a:t>
                       </a:r>
-                      <a:endParaRPr lang="zh-CN" altLang="en-US" sz="2000" dirty="0">
+                      <a:endParaRPr lang="zh-CN" altLang="en-US" sz="1800" dirty="0">
                         <a:latin typeface="+mn-lt"/>
                       </a:endParaRPr>
                     </a:p>
@@ -3882,32 +3959,65 @@
                     <a:p>
                       <a:pPr>
                         <a:lnSpc>
-                          <a:spcPct val="100000"/>
-                        </a:lnSpc>
-                      </a:pPr>
-                      <a:r>
-                        <a:rPr lang="en-US" altLang="zh-CN" sz="2000" dirty="0" smtClean="0">
+                          <a:spcPct val="120000"/>
+                        </a:lnSpc>
+                      </a:pPr>
+                      <a:r>
+                        <a:rPr lang="en-US" altLang="zh-CN" sz="1800" dirty="0" smtClean="0">
                           <a:latin typeface="+mn-lt"/>
                         </a:rPr>
                         <a:t>Zak phase of 1D photonic crystals</a:t>
                       </a:r>
-                      <a:endParaRPr lang="en-US" altLang="zh-CN" sz="2000" dirty="0" smtClean="0">
-                        <a:latin typeface="+mn-lt"/>
-                      </a:endParaRPr>
-                    </a:p>
-                    <a:p>
-                      <a:pPr>
-                        <a:lnSpc>
-                          <a:spcPct val="100000"/>
-                        </a:lnSpc>
-                      </a:pPr>
-                      <a:r>
-                        <a:rPr lang="en-US" altLang="zh-CN" sz="2000" dirty="0" smtClean="0">
-                          <a:latin typeface="+mn-lt"/>
-                        </a:rPr>
-                        <a:t>By WY Tam </a:t>
-                      </a:r>
-                      <a:endParaRPr lang="zh-CN" altLang="en-US" sz="2000" dirty="0" smtClean="0">
+                    </a:p>
+                    <a:p>
+                      <a:pPr>
+                        <a:lnSpc>
+                          <a:spcPct val="120000"/>
+                        </a:lnSpc>
+                      </a:pPr>
+                      <a:r>
+                        <a:rPr lang="en-US" altLang="zh-CN" sz="1800" dirty="0" smtClean="0">
+                          <a:latin typeface="+mn-lt"/>
+                        </a:rPr>
+                        <a:t>WY </a:t>
+                      </a:r>
+                      <a:r>
+                        <a:rPr lang="en-US" altLang="zh-CN" sz="1800" dirty="0" smtClean="0">
+                          <a:latin typeface="+mn-lt"/>
+                        </a:rPr>
+                        <a:t>Tam</a:t>
+                      </a:r>
+                      <a:r>
+                        <a:rPr lang="en-US" altLang="zh-CN" sz="1800" b="0" dirty="0" smtClean="0">
+                          <a:latin typeface="+mn-lt"/>
+                        </a:rPr>
+                        <a:t> </a:t>
+                      </a:r>
+                      <a:r>
+                        <a:rPr lang="en-US" altLang="zh-CN" sz="1800" b="0" dirty="0" smtClean="0">
+                          <a:latin typeface="+mn-lt"/>
+                        </a:rPr>
+                        <a:t>(</a:t>
+                      </a:r>
+                      <a:r>
+                        <a:rPr lang="zh-CN" altLang="en-US" sz="1800" b="0" i="0" kern="1200" dirty="0" smtClean="0">
+                          <a:solidFill>
+                            <a:schemeClr val="tx1"/>
+                          </a:solidFill>
+                          <a:effectLst/>
+                          <a:latin typeface="+mn-lt"/>
+                          <a:ea typeface="+mn-ea"/>
+                          <a:cs typeface="+mn-cs"/>
+                        </a:rPr>
+                        <a:t>譚永炎</a:t>
+                      </a:r>
+                      <a:r>
+                        <a:rPr lang="en-US" altLang="zh-CN" sz="1800" b="0" dirty="0" smtClean="0">
+                          <a:latin typeface="+mn-lt"/>
+                        </a:rPr>
+                        <a:t>)</a:t>
+                      </a:r>
+                      <a:endParaRPr lang="zh-CN" altLang="en-US" sz="1800" b="0" dirty="0" smtClean="0">
                         <a:latin typeface="+mn-lt"/>
                       </a:endParaRPr>
                     </a:p>
@@ -3923,16 +4033,16 @@
                     <a:p>
                       <a:pPr>
                         <a:lnSpc>
-                          <a:spcPct val="150000"/>
-                        </a:lnSpc>
-                      </a:pPr>
-                      <a:r>
-                        <a:rPr lang="en-US" altLang="zh-CN" sz="2000" dirty="0" smtClean="0">
+                          <a:spcPct val="120000"/>
+                        </a:lnSpc>
+                      </a:pPr>
+                      <a:r>
+                        <a:rPr lang="en-US" altLang="zh-CN" sz="1800" dirty="0" smtClean="0">
                           <a:latin typeface="+mn-lt"/>
                         </a:rPr>
                         <a:t>11:35-12:00</a:t>
                       </a:r>
-                      <a:endParaRPr lang="zh-CN" altLang="en-US" sz="2000" dirty="0">
+                      <a:endParaRPr lang="zh-CN" altLang="en-US" sz="1800" dirty="0">
                         <a:latin typeface="+mn-lt"/>
                       </a:endParaRPr>
                     </a:p>
@@ -3946,23 +4056,20 @@
                     <a:p>
                       <a:pPr>
                         <a:lnSpc>
-                          <a:spcPct val="100000"/>
-                        </a:lnSpc>
-                      </a:pPr>
-                      <a:r>
-                        <a:rPr lang="en-US" altLang="zh-CN" sz="2000" baseline="0" dirty="0" smtClean="0">
+                          <a:spcPct val="120000"/>
+                        </a:lnSpc>
+                      </a:pPr>
+                      <a:r>
+                        <a:rPr lang="en-US" altLang="zh-CN" sz="1800" baseline="0" dirty="0" smtClean="0">
                           <a:latin typeface="+mn-lt"/>
                         </a:rPr>
                         <a:t>TBA</a:t>
                       </a:r>
-                      <a:endParaRPr lang="en-US" altLang="zh-CN" sz="2000" baseline="0" dirty="0" smtClean="0">
-                        <a:latin typeface="+mn-lt"/>
-                      </a:endParaRPr>
                     </a:p>
                     <a:p>
                       <a:pPr marL="0" marR="0" lvl="0" indent="0" algn="l" defTabSz="914400" rtl="0" eaLnBrk="1" fontAlgn="auto" latinLnBrk="0" hangingPunct="1">
                         <a:lnSpc>
-                          <a:spcPct val="100000"/>
+                          <a:spcPct val="120000"/>
                         </a:lnSpc>
                         <a:spcBef>
                           <a:spcPts val="0"/>
@@ -3978,13 +4085,7 @@
                         <a:defRPr/>
                       </a:pPr>
                       <a:r>
-                        <a:rPr lang="en-US" altLang="zh-CN" sz="2000" baseline="0" dirty="0" smtClean="0">
-                          <a:latin typeface="+mn-lt"/>
-                        </a:rPr>
-                        <a:t>By </a:t>
-                      </a:r>
-                      <a:r>
-                        <a:rPr lang="en-US" altLang="zh-CN" sz="2000" b="0" kern="1200" dirty="0" smtClean="0">
+                        <a:rPr lang="en-US" altLang="zh-CN" sz="1800" b="0" kern="1200" dirty="0" smtClean="0">
                           <a:solidFill>
                             <a:schemeClr val="tx1"/>
                           </a:solidFill>
@@ -3992,9 +4093,32 @@
                           <a:ea typeface="+mn-ea"/>
                           <a:cs typeface="+mn-cs"/>
                         </a:rPr>
-                        <a:t>Qinghai Song</a:t>
-                      </a:r>
-                      <a:endParaRPr lang="zh-CN" altLang="en-US" sz="2000" b="0" kern="1200" dirty="0" smtClean="0">
+                        <a:t>Qinghai Song (</a:t>
+                      </a:r>
+                      <a:r>
+                        <a:rPr lang="zh-CN" altLang="en-US" sz="1800" b="0" i="0" kern="1200" dirty="0" smtClean="0">
+                          <a:solidFill>
+                            <a:schemeClr val="tx1"/>
+                          </a:solidFill>
+                          <a:effectLst/>
+                          <a:latin typeface="+mn-lt"/>
+                          <a:ea typeface="+mn-ea"/>
+                          <a:cs typeface="+mn-cs"/>
+                        </a:rPr>
+                        <a:t>宋清海</a:t>
+                      </a:r>
+                      <a:r>
+                        <a:rPr lang="en-US" altLang="zh-CN" sz="1800" b="0" kern="1200" dirty="0" smtClean="0">
+                          <a:solidFill>
+                            <a:schemeClr val="tx1"/>
+                          </a:solidFill>
+                          <a:latin typeface="+mn-lt"/>
+                          <a:ea typeface="+mn-ea"/>
+                          <a:cs typeface="+mn-cs"/>
+                        </a:rPr>
+                        <a:t>)</a:t>
+                      </a:r>
+                      <a:endParaRPr lang="zh-CN" altLang="en-US" sz="1800" b="0" kern="1200" dirty="0" smtClean="0">
                         <a:solidFill>
                           <a:schemeClr val="tx1"/>
                         </a:solidFill>
@@ -4096,15 +4220,7 @@
             </a:r>
             <a:r>
               <a:rPr lang="en-US" altLang="zh-CN" sz="2400" b="1" dirty="0" smtClean="0"/>
-              <a:t>   </a:t>
-            </a:r>
-            <a:r>
-              <a:rPr lang="en-US" altLang="zh-CN" sz="2400" b="1" dirty="0" smtClean="0"/>
-              <a:t>14:30-17:40</a:t>
-            </a:r>
-            <a:r>
-              <a:rPr lang="en-US" altLang="zh-CN" sz="2400" b="1" dirty="0" smtClean="0"/>
-              <a:t>)</a:t>
+              <a:t>   14:30-17:40)</a:t>
             </a:r>
             <a:endParaRPr lang="zh-CN" altLang="en-US" sz="2400" b="1" dirty="0"/>
           </a:p>
@@ -4119,14 +4235,14 @@
           <p:nvPr>
             <p:extLst>
               <p:ext uri="{D42A27DB-BD31-4B8C-83A1-F6EECF244321}">
-                <p14:modId xmlns:p14="http://schemas.microsoft.com/office/powerpoint/2010/main" val="994699889"/>
+                <p14:modId xmlns:p14="http://schemas.microsoft.com/office/powerpoint/2010/main" val="2378114044"/>
               </p:ext>
             </p:extLst>
           </p:nvPr>
         </p:nvGraphicFramePr>
         <p:xfrm>
-          <a:off x="1328511" y="1097280"/>
-          <a:ext cx="10080000" cy="5455920"/>
+          <a:off x="1832511" y="1141837"/>
+          <a:ext cx="9072000" cy="5462397"/>
         </p:xfrm>
         <a:graphic>
           <a:graphicData uri="http://schemas.openxmlformats.org/drawingml/2006/table">
@@ -4135,8 +4251,8 @@
                 <a:tableStyleId>{BDBED569-4797-4DF1-A0F4-6AAB3CD982D8}</a:tableStyleId>
               </a:tblPr>
               <a:tblGrid>
-                <a:gridCol w="1484137"/>
-                <a:gridCol w="8595863"/>
+                <a:gridCol w="1335724"/>
+                <a:gridCol w="7736276"/>
               </a:tblGrid>
               <a:tr h="370840">
                 <a:tc>
@@ -4146,16 +4262,16 @@
                     <a:p>
                       <a:pPr>
                         <a:lnSpc>
-                          <a:spcPct val="150000"/>
-                        </a:lnSpc>
-                      </a:pPr>
-                      <a:r>
-                        <a:rPr lang="en-US" altLang="zh-CN" sz="2000" b="0" dirty="0" smtClean="0">
+                          <a:spcPct val="120000"/>
+                        </a:lnSpc>
+                      </a:pPr>
+                      <a:r>
+                        <a:rPr lang="en-US" altLang="zh-CN" sz="1800" b="0" dirty="0" smtClean="0">
                           <a:latin typeface="+mn-lt"/>
                         </a:rPr>
                         <a:t>14:30-14:55</a:t>
                       </a:r>
-                      <a:endParaRPr lang="zh-CN" altLang="en-US" sz="2000" b="0" dirty="0">
+                      <a:endParaRPr lang="zh-CN" altLang="en-US" sz="1800" b="0" dirty="0">
                         <a:latin typeface="+mn-lt"/>
                       </a:endParaRPr>
                     </a:p>
@@ -4169,11 +4285,11 @@
                     <a:p>
                       <a:pPr>
                         <a:lnSpc>
-                          <a:spcPct val="100000"/>
-                        </a:lnSpc>
-                      </a:pPr>
-                      <a:r>
-                        <a:rPr lang="en-US" altLang="zh-CN" sz="2000" b="0" kern="1200" dirty="0" smtClean="0">
+                          <a:spcPct val="120000"/>
+                        </a:lnSpc>
+                      </a:pPr>
+                      <a:r>
+                        <a:rPr lang="en-US" altLang="zh-CN" sz="1800" b="0" kern="1200" dirty="0" smtClean="0">
                           <a:solidFill>
                             <a:schemeClr val="tx1"/>
                           </a:solidFill>
@@ -4183,45 +4299,38 @@
                         </a:rPr>
                         <a:t>Grating metasurfaces for optical field controlling and super-resolution imaging</a:t>
                       </a:r>
-                      <a:endParaRPr lang="en-US" altLang="zh-CN" sz="2000" b="0" kern="1200" dirty="0" smtClean="0">
-                        <a:solidFill>
-                          <a:schemeClr val="tx1"/>
-                        </a:solidFill>
-                        <a:latin typeface="+mn-lt"/>
-                        <a:ea typeface="+mn-ea"/>
-                        <a:cs typeface="+mn-cs"/>
-                      </a:endParaRPr>
-                    </a:p>
-                    <a:p>
-                      <a:pPr>
-                        <a:lnSpc>
-                          <a:spcPct val="100000"/>
-                        </a:lnSpc>
-                      </a:pPr>
-                      <a:r>
-                        <a:rPr lang="en-US" altLang="zh-CN" sz="2000" b="0" kern="1200" dirty="0" smtClean="0">
-                          <a:solidFill>
-                            <a:schemeClr val="tx1"/>
-                          </a:solidFill>
-                          <a:latin typeface="+mn-lt"/>
-                          <a:ea typeface="+mn-ea"/>
-                          <a:cs typeface="+mn-cs"/>
-                        </a:rPr>
-                        <a:t>By </a:t>
-                      </a:r>
-                      <a:r>
-                        <a:rPr lang="en-US" altLang="zh-CN" sz="2000" b="0" dirty="0" err="1" smtClean="0">
+                    </a:p>
+                    <a:p>
+                      <a:pPr>
+                        <a:lnSpc>
+                          <a:spcPct val="120000"/>
+                        </a:lnSpc>
+                      </a:pPr>
+                      <a:r>
+                        <a:rPr lang="en-US" altLang="zh-CN" sz="1800" b="0" dirty="0" err="1" smtClean="0">
                           <a:latin typeface="+mn-lt"/>
                         </a:rPr>
                         <a:t>Guoping</a:t>
                       </a:r>
                       <a:r>
-                        <a:rPr lang="en-US" altLang="zh-CN" sz="2000" b="0" dirty="0" smtClean="0">
-                          <a:latin typeface="+mn-lt"/>
-                        </a:rPr>
-                        <a:t> Wang</a:t>
-                      </a:r>
-                      <a:endParaRPr lang="zh-CN" altLang="en-US" sz="2000" b="0" kern="1200" dirty="0">
+                        <a:rPr lang="en-US" altLang="zh-CN" sz="1800" b="0" dirty="0" smtClean="0">
+                          <a:latin typeface="+mn-lt"/>
+                        </a:rPr>
+                        <a:t> Wang (</a:t>
+                      </a:r>
+                      <a:r>
+                        <a:rPr lang="zh-CN" altLang="en-US" sz="1800" b="0" dirty="0" smtClean="0">
+                          <a:latin typeface="+mn-lt"/>
+                        </a:rPr>
+                        <a:t>汪国平</a:t>
+                      </a:r>
+                      <a:r>
+                        <a:rPr lang="en-US" altLang="zh-CN" sz="1800" b="0" dirty="0" smtClean="0">
+                          <a:latin typeface="+mn-lt"/>
+                        </a:rPr>
+                        <a:t>)</a:t>
+                      </a:r>
+                      <a:endParaRPr lang="zh-CN" altLang="en-US" sz="1800" b="0" kern="1200" dirty="0">
                         <a:solidFill>
                           <a:schemeClr val="tx1"/>
                         </a:solidFill>
@@ -4242,16 +4351,16 @@
                     <a:p>
                       <a:pPr>
                         <a:lnSpc>
-                          <a:spcPct val="150000"/>
-                        </a:lnSpc>
-                      </a:pPr>
-                      <a:r>
-                        <a:rPr lang="en-US" altLang="zh-CN" sz="2000" dirty="0" smtClean="0">
+                          <a:spcPct val="120000"/>
+                        </a:lnSpc>
+                      </a:pPr>
+                      <a:r>
+                        <a:rPr lang="en-US" altLang="zh-CN" sz="1800" dirty="0" smtClean="0">
                           <a:latin typeface="+mn-lt"/>
                         </a:rPr>
                         <a:t>14:55-15:20</a:t>
                       </a:r>
-                      <a:endParaRPr lang="zh-CN" altLang="en-US" sz="2000" dirty="0">
+                      <a:endParaRPr lang="zh-CN" altLang="en-US" sz="1800" dirty="0">
                         <a:latin typeface="+mn-lt"/>
                       </a:endParaRPr>
                     </a:p>
@@ -4265,44 +4374,50 @@
                     <a:p>
                       <a:pPr>
                         <a:lnSpc>
-                          <a:spcPct val="100000"/>
-                        </a:lnSpc>
-                      </a:pPr>
-                      <a:r>
-                        <a:rPr lang="zh-CN" altLang="en-US" sz="2000" b="0" dirty="0" smtClean="0">
+                          <a:spcPct val="120000"/>
+                        </a:lnSpc>
+                      </a:pPr>
+                      <a:r>
+                        <a:rPr lang="zh-CN" altLang="en-US" sz="1800" b="0" dirty="0" smtClean="0">
                           <a:latin typeface="+mn-lt"/>
                         </a:rPr>
                         <a:t>全介质能谷光子晶体：拓扑纳米光子学新途径</a:t>
                       </a:r>
-                      <a:endParaRPr lang="en-US" altLang="zh-CN" sz="2000" b="0" dirty="0" smtClean="0">
+                      <a:endParaRPr lang="en-US" altLang="zh-CN" sz="1800" b="0" dirty="0" smtClean="0">
                         <a:latin typeface="+mn-lt"/>
                       </a:endParaRPr>
                     </a:p>
                     <a:p>
                       <a:pPr>
                         <a:lnSpc>
-                          <a:spcPct val="100000"/>
-                        </a:lnSpc>
-                      </a:pPr>
-                      <a:r>
-                        <a:rPr lang="en-US" altLang="zh-CN" sz="2000" b="0" dirty="0" smtClean="0">
-                          <a:latin typeface="+mn-lt"/>
-                        </a:rPr>
-                        <a:t>By </a:t>
-                      </a:r>
-                      <a:r>
-                        <a:rPr lang="en-US" altLang="zh-CN" sz="2000" b="0" dirty="0" err="1" smtClean="0">
+                          <a:spcPct val="120000"/>
+                        </a:lnSpc>
+                      </a:pPr>
+                      <a:r>
+                        <a:rPr lang="en-US" altLang="zh-CN" sz="1800" b="0" dirty="0" err="1" smtClean="0">
                           <a:latin typeface="+mn-lt"/>
                         </a:rPr>
                         <a:t>Jianwen</a:t>
                       </a:r>
                       <a:r>
-                        <a:rPr lang="en-US" altLang="zh-CN" sz="2000" b="0" dirty="0" smtClean="0">
-                          <a:latin typeface="+mn-lt"/>
-                        </a:rPr>
-                        <a:t> Dong</a:t>
-                      </a:r>
-                      <a:endParaRPr lang="zh-CN" altLang="en-US" sz="2000" b="0" dirty="0">
+                        <a:rPr lang="en-US" altLang="zh-CN" sz="1800" b="0" dirty="0" smtClean="0">
+                          <a:latin typeface="+mn-lt"/>
+                        </a:rPr>
+                        <a:t> Dong (</a:t>
+                      </a:r>
+                      <a:r>
+                        <a:rPr lang="zh-CN" altLang="en-US" sz="1800" b="0" dirty="0" smtClean="0">
+                          <a:latin typeface="+mn-lt"/>
+                        </a:rPr>
+                        <a:t>董建文</a:t>
+                      </a:r>
+                      <a:r>
+                        <a:rPr lang="en-US" altLang="zh-CN" sz="1800" b="0" dirty="0" smtClean="0">
+                          <a:latin typeface="+mn-lt"/>
+                        </a:rPr>
+                        <a:t>)</a:t>
+                      </a:r>
+                      <a:endParaRPr lang="zh-CN" altLang="en-US" sz="1800" b="0" dirty="0">
                         <a:latin typeface="+mn-lt"/>
                       </a:endParaRPr>
                     </a:p>
@@ -4318,16 +4433,16 @@
                     <a:p>
                       <a:pPr>
                         <a:lnSpc>
-                          <a:spcPct val="150000"/>
-                        </a:lnSpc>
-                      </a:pPr>
-                      <a:r>
-                        <a:rPr lang="en-US" altLang="zh-CN" sz="2000" dirty="0" smtClean="0">
+                          <a:spcPct val="120000"/>
+                        </a:lnSpc>
+                      </a:pPr>
+                      <a:r>
+                        <a:rPr lang="en-US" altLang="zh-CN" sz="1800" dirty="0" smtClean="0">
                           <a:latin typeface="+mn-lt"/>
                         </a:rPr>
                         <a:t>15:20-15:45</a:t>
                       </a:r>
-                      <a:endParaRPr lang="zh-CN" altLang="en-US" sz="2000" dirty="0">
+                      <a:endParaRPr lang="zh-CN" altLang="en-US" sz="1800" dirty="0">
                         <a:latin typeface="+mn-lt"/>
                       </a:endParaRPr>
                     </a:p>
@@ -4341,23 +4456,23 @@
                     <a:p>
                       <a:pPr>
                         <a:lnSpc>
-                          <a:spcPct val="100000"/>
-                        </a:lnSpc>
-                      </a:pPr>
-                      <a:r>
-                        <a:rPr lang="en-US" altLang="zh-CN" sz="2000" b="0" dirty="0" smtClean="0">
+                          <a:spcPct val="120000"/>
+                        </a:lnSpc>
+                      </a:pPr>
+                      <a:r>
+                        <a:rPr lang="en-US" altLang="zh-CN" sz="1800" b="0" dirty="0" smtClean="0">
                           <a:latin typeface="+mn-lt"/>
                         </a:rPr>
                         <a:t>Metasurface-assisted </a:t>
                       </a:r>
                       <a:r>
-                        <a:rPr lang="en-US" altLang="zh-CN" sz="2000" b="0" dirty="0" err="1" smtClean="0">
+                        <a:rPr lang="en-US" altLang="zh-CN" sz="1800" b="0" dirty="0" err="1" smtClean="0">
                           <a:latin typeface="+mn-lt"/>
                         </a:rPr>
                         <a:t>plasmonic</a:t>
                       </a:r>
                       <a:r>
-                        <a:rPr lang="en-US" altLang="zh-CN" sz="2000" b="0" dirty="0" smtClean="0">
+                        <a:rPr lang="en-US" altLang="zh-CN" sz="1800" b="0" dirty="0" smtClean="0">
                           <a:latin typeface="+mn-lt"/>
                         </a:rPr>
                         <a:t> wavefront modulation with incident polarization</a:t>
@@ -4366,28 +4481,34 @@
                     <a:p>
                       <a:pPr>
                         <a:lnSpc>
-                          <a:spcPct val="100000"/>
-                        </a:lnSpc>
-                      </a:pPr>
-                      <a:r>
-                        <a:rPr lang="en-US" altLang="zh-CN" sz="2000" b="0" dirty="0" smtClean="0">
-                          <a:latin typeface="+mn-lt"/>
-                        </a:rPr>
-                        <a:t>By </a:t>
-                      </a:r>
-                      <a:r>
-                        <a:rPr lang="en-US" altLang="zh-CN" sz="2000" b="0" dirty="0" err="1" smtClean="0">
+                          <a:spcPct val="120000"/>
+                        </a:lnSpc>
+                      </a:pPr>
+                      <a:r>
+                        <a:rPr lang="en-US" altLang="zh-CN" sz="1800" b="0" dirty="0" err="1" smtClean="0">
                           <a:latin typeface="+mn-lt"/>
                         </a:rPr>
                         <a:t>Luping</a:t>
                       </a:r>
                       <a:r>
-                        <a:rPr lang="en-US" altLang="zh-CN" sz="2000" b="0" dirty="0" smtClean="0">
-                          <a:latin typeface="+mn-lt"/>
-                        </a:rPr>
-                        <a:t> Du</a:t>
-                      </a:r>
-                      <a:endParaRPr lang="zh-CN" altLang="en-US" sz="2000" b="0" dirty="0" smtClean="0">
+                        <a:rPr lang="en-US" altLang="zh-CN" sz="1800" b="0" dirty="0" smtClean="0">
+                          <a:latin typeface="+mn-lt"/>
+                        </a:rPr>
+                        <a:t> Du (</a:t>
+                      </a:r>
+                      <a:r>
+                        <a:rPr lang="zh-CN" altLang="en-US" sz="1800" b="0" dirty="0" smtClean="0">
+                          <a:latin typeface="+mn-lt"/>
+                        </a:rPr>
+                        <a:t>杜路平</a:t>
+                      </a:r>
+                      <a:r>
+                        <a:rPr lang="en-US" altLang="zh-CN" sz="1800" b="0" dirty="0" smtClean="0">
+                          <a:latin typeface="+mn-lt"/>
+                        </a:rPr>
+                        <a:t>)</a:t>
+                      </a:r>
+                      <a:endParaRPr lang="zh-CN" altLang="en-US" sz="1800" b="0" dirty="0" smtClean="0">
                         <a:latin typeface="+mn-lt"/>
                       </a:endParaRPr>
                     </a:p>
@@ -4403,16 +4524,16 @@
                     <a:p>
                       <a:pPr>
                         <a:lnSpc>
-                          <a:spcPct val="150000"/>
-                        </a:lnSpc>
-                      </a:pPr>
-                      <a:r>
-                        <a:rPr lang="en-US" altLang="zh-CN" sz="2000" dirty="0" smtClean="0">
+                          <a:spcPct val="120000"/>
+                        </a:lnSpc>
+                      </a:pPr>
+                      <a:r>
+                        <a:rPr lang="en-US" altLang="zh-CN" sz="1800" dirty="0" smtClean="0">
                           <a:latin typeface="+mn-lt"/>
                         </a:rPr>
                         <a:t>15:45-16:10</a:t>
                       </a:r>
-                      <a:endParaRPr lang="zh-CN" altLang="en-US" sz="2000" dirty="0">
+                      <a:endParaRPr lang="zh-CN" altLang="en-US" sz="1800" dirty="0">
                         <a:latin typeface="+mn-lt"/>
                       </a:endParaRPr>
                     </a:p>
@@ -4426,22 +4547,22 @@
                     <a:p>
                       <a:pPr>
                         <a:lnSpc>
-                          <a:spcPct val="100000"/>
-                        </a:lnSpc>
-                      </a:pPr>
-                      <a:r>
-                        <a:rPr lang="en-US" altLang="zh-CN" sz="2000" b="0" dirty="0" smtClean="0">
+                          <a:spcPct val="120000"/>
+                        </a:lnSpc>
+                      </a:pPr>
+                      <a:r>
+                        <a:rPr lang="en-US" altLang="zh-CN" sz="1800" b="0" dirty="0" smtClean="0">
                           <a:latin typeface="+mn-lt"/>
                         </a:rPr>
                         <a:t>Coffee</a:t>
                       </a:r>
                       <a:r>
-                        <a:rPr lang="en-US" altLang="zh-CN" sz="2000" b="0" baseline="0" dirty="0" smtClean="0">
+                        <a:rPr lang="en-US" altLang="zh-CN" sz="1800" b="0" baseline="0" dirty="0" smtClean="0">
                           <a:latin typeface="+mn-lt"/>
                         </a:rPr>
                         <a:t> Break</a:t>
                       </a:r>
-                      <a:endParaRPr lang="zh-CN" altLang="en-US" sz="2000" b="0" dirty="0">
+                      <a:endParaRPr lang="zh-CN" altLang="en-US" sz="1800" b="0" dirty="0">
                         <a:latin typeface="+mn-lt"/>
                       </a:endParaRPr>
                     </a:p>
@@ -4457,16 +4578,16 @@
                     <a:p>
                       <a:pPr>
                         <a:lnSpc>
-                          <a:spcPct val="150000"/>
-                        </a:lnSpc>
-                      </a:pPr>
-                      <a:r>
-                        <a:rPr lang="en-US" altLang="zh-CN" sz="2000" dirty="0" smtClean="0">
+                          <a:spcPct val="120000"/>
+                        </a:lnSpc>
+                      </a:pPr>
+                      <a:r>
+                        <a:rPr lang="en-US" altLang="zh-CN" sz="1800" dirty="0" smtClean="0">
                           <a:latin typeface="+mn-lt"/>
                         </a:rPr>
                         <a:t>16:10-16:35</a:t>
                       </a:r>
-                      <a:endParaRPr lang="zh-CN" altLang="en-US" sz="2000" dirty="0">
+                      <a:endParaRPr lang="zh-CN" altLang="en-US" sz="1800" dirty="0">
                         <a:latin typeface="+mn-lt"/>
                       </a:endParaRPr>
                     </a:p>
@@ -4480,44 +4601,53 @@
                     <a:p>
                       <a:pPr>
                         <a:lnSpc>
-                          <a:spcPct val="100000"/>
-                        </a:lnSpc>
-                      </a:pPr>
-                      <a:r>
-                        <a:rPr lang="en-US" altLang="zh-CN" sz="2000" b="0" dirty="0" smtClean="0">
+                          <a:spcPct val="120000"/>
+                        </a:lnSpc>
+                      </a:pPr>
+                      <a:r>
+                        <a:rPr lang="en-US" altLang="zh-CN" sz="1800" b="0" dirty="0" smtClean="0">
                           <a:latin typeface="+mn-lt"/>
                         </a:rPr>
                         <a:t>TBA</a:t>
                       </a:r>
-                      <a:endParaRPr lang="en-US" altLang="zh-CN" sz="2000" b="0" dirty="0" smtClean="0">
-                        <a:latin typeface="+mn-lt"/>
-                      </a:endParaRPr>
-                    </a:p>
-                    <a:p>
-                      <a:pPr>
-                        <a:lnSpc>
-                          <a:spcPct val="100000"/>
-                        </a:lnSpc>
-                      </a:pPr>
-                      <a:r>
-                        <a:rPr lang="en-US" altLang="zh-CN" sz="2000" b="0" dirty="0" smtClean="0">
-                          <a:latin typeface="+mn-lt"/>
-                        </a:rPr>
-                        <a:t>By </a:t>
-                      </a:r>
-                      <a:r>
-                        <a:rPr lang="en-US" altLang="zh-CN" sz="2000" b="0" baseline="0" dirty="0" err="1" smtClean="0">
+                    </a:p>
+                    <a:p>
+                      <a:pPr>
+                        <a:lnSpc>
+                          <a:spcPct val="120000"/>
+                        </a:lnSpc>
+                      </a:pPr>
+                      <a:r>
+                        <a:rPr lang="en-US" altLang="zh-CN" sz="1800" b="0" baseline="0" dirty="0" err="1" smtClean="0">
                           <a:latin typeface="+mn-lt"/>
                         </a:rPr>
                         <a:t>Shumin</a:t>
                       </a:r>
                       <a:r>
-                        <a:rPr lang="en-US" altLang="zh-CN" sz="2000" b="0" baseline="0" dirty="0" smtClean="0">
-                          <a:latin typeface="+mn-lt"/>
-                        </a:rPr>
-                        <a:t> Xiao</a:t>
-                      </a:r>
-                      <a:endParaRPr lang="zh-CN" altLang="en-US" sz="2000" b="0" dirty="0" smtClean="0">
+                        <a:rPr lang="en-US" altLang="zh-CN" sz="1800" b="0" baseline="0" dirty="0" smtClean="0">
+                          <a:latin typeface="+mn-lt"/>
+                        </a:rPr>
+                        <a:t> Xiao (</a:t>
+                      </a:r>
+                      <a:r>
+                        <a:rPr lang="zh-CN" altLang="en-US" sz="1800" b="0" i="0" kern="1200" dirty="0" smtClean="0">
+                          <a:solidFill>
+                            <a:schemeClr val="tx1"/>
+                          </a:solidFill>
+                          <a:effectLst/>
+                          <a:latin typeface="+mn-lt"/>
+                          <a:ea typeface="+mn-ea"/>
+                          <a:cs typeface="+mn-cs"/>
+                        </a:rPr>
+                        <a:t>肖淑敏</a:t>
+                      </a:r>
+                      <a:r>
+                        <a:rPr lang="en-US" altLang="zh-CN" sz="1800" b="0" baseline="0" dirty="0" smtClean="0">
+                          <a:latin typeface="+mn-lt"/>
+                        </a:rPr>
+                        <a:t>)</a:t>
+                      </a:r>
+                      <a:endParaRPr lang="zh-CN" altLang="en-US" sz="1800" b="0" dirty="0" smtClean="0">
                         <a:latin typeface="+mn-lt"/>
                       </a:endParaRPr>
                     </a:p>
@@ -4533,16 +4663,16 @@
                     <a:p>
                       <a:pPr>
                         <a:lnSpc>
-                          <a:spcPct val="150000"/>
-                        </a:lnSpc>
-                      </a:pPr>
-                      <a:r>
-                        <a:rPr lang="en-US" altLang="zh-CN" sz="2000" dirty="0" smtClean="0">
+                          <a:spcPct val="120000"/>
+                        </a:lnSpc>
+                      </a:pPr>
+                      <a:r>
+                        <a:rPr lang="en-US" altLang="zh-CN" sz="1800" dirty="0" smtClean="0">
                           <a:latin typeface="+mn-lt"/>
                         </a:rPr>
                         <a:t>16:35-17:00</a:t>
                       </a:r>
-                      <a:endParaRPr lang="zh-CN" altLang="en-US" sz="2000" dirty="0">
+                      <a:endParaRPr lang="zh-CN" altLang="en-US" sz="1800" dirty="0">
                         <a:latin typeface="+mn-lt"/>
                       </a:endParaRPr>
                     </a:p>
@@ -4556,11 +4686,11 @@
                     <a:p>
                       <a:pPr>
                         <a:lnSpc>
-                          <a:spcPct val="100000"/>
-                        </a:lnSpc>
-                      </a:pPr>
-                      <a:r>
-                        <a:rPr lang="en-US" altLang="zh-CN" sz="2000" b="0" dirty="0" smtClean="0">
+                          <a:spcPct val="120000"/>
+                        </a:lnSpc>
+                      </a:pPr>
+                      <a:r>
+                        <a:rPr lang="en-US" altLang="zh-CN" sz="1800" b="0" dirty="0" smtClean="0">
                           <a:latin typeface="+mn-lt"/>
                         </a:rPr>
                         <a:t>Coherent wave manipulations</a:t>
@@ -4569,16 +4699,34 @@
                     <a:p>
                       <a:pPr>
                         <a:lnSpc>
-                          <a:spcPct val="100000"/>
-                        </a:lnSpc>
-                      </a:pPr>
-                      <a:r>
-                        <a:rPr lang="en-US" altLang="zh-CN" sz="2000" b="0" dirty="0" smtClean="0">
-                          <a:latin typeface="+mn-lt"/>
-                        </a:rPr>
-                        <a:t>By Jason Yang</a:t>
-                      </a:r>
-                      <a:endParaRPr lang="zh-CN" altLang="en-US" sz="2000" b="0" dirty="0" smtClean="0">
+                          <a:spcPct val="120000"/>
+                        </a:lnSpc>
+                      </a:pPr>
+                      <a:r>
+                        <a:rPr lang="en-US" altLang="zh-CN" sz="1800" b="0" dirty="0" smtClean="0">
+                          <a:latin typeface="+mn-lt"/>
+                        </a:rPr>
+                        <a:t>Jason Yang (</a:t>
+                      </a:r>
+                      <a:r>
+                        <a:rPr lang="zh-CN" altLang="en-US" sz="1800" b="0" i="0" kern="1200" dirty="0" smtClean="0">
+                          <a:solidFill>
+                            <a:schemeClr val="tx1"/>
+                          </a:solidFill>
+                          <a:effectLst/>
+                          <a:latin typeface="+mn-lt"/>
+                          <a:ea typeface="+mn-ea"/>
+                          <a:cs typeface="+mn-cs"/>
+                        </a:rPr>
+                        <a:t>楊志宇</a:t>
+                      </a:r>
+                      <a:r>
+                        <a:rPr lang="en-US" altLang="zh-CN" sz="1800" b="0" dirty="0" smtClean="0">
+                          <a:latin typeface="+mn-lt"/>
+                        </a:rPr>
+                        <a:t>)</a:t>
+                      </a:r>
+                      <a:endParaRPr lang="zh-CN" altLang="en-US" sz="1800" b="0" dirty="0" smtClean="0">
                         <a:latin typeface="+mn-lt"/>
                       </a:endParaRPr>
                     </a:p>
@@ -4594,16 +4742,16 @@
                     <a:p>
                       <a:pPr>
                         <a:lnSpc>
-                          <a:spcPct val="150000"/>
-                        </a:lnSpc>
-                      </a:pPr>
-                      <a:r>
-                        <a:rPr lang="en-US" altLang="zh-CN" sz="2000" dirty="0" smtClean="0">
+                          <a:spcPct val="120000"/>
+                        </a:lnSpc>
+                      </a:pPr>
+                      <a:r>
+                        <a:rPr lang="en-US" altLang="zh-CN" sz="1800" dirty="0" smtClean="0">
                           <a:latin typeface="+mn-lt"/>
                         </a:rPr>
                         <a:t>17:00-17:25</a:t>
                       </a:r>
-                      <a:endParaRPr lang="zh-CN" altLang="en-US" sz="2000" dirty="0">
+                      <a:endParaRPr lang="zh-CN" altLang="en-US" sz="1800" dirty="0">
                         <a:latin typeface="+mn-lt"/>
                       </a:endParaRPr>
                     </a:p>
@@ -4617,11 +4765,11 @@
                     <a:p>
                       <a:pPr>
                         <a:lnSpc>
-                          <a:spcPct val="100000"/>
-                        </a:lnSpc>
-                      </a:pPr>
-                      <a:r>
-                        <a:rPr lang="en-US" altLang="zh-CN" sz="2000" b="0" dirty="0" smtClean="0">
+                          <a:spcPct val="120000"/>
+                        </a:lnSpc>
+                      </a:pPr>
+                      <a:r>
+                        <a:rPr lang="en-US" altLang="zh-CN" sz="1800" b="0" dirty="0" smtClean="0">
                           <a:latin typeface="+mn-lt"/>
                         </a:rPr>
                         <a:t>Controlling complex sound field with spatial sound modulator</a:t>
@@ -4630,28 +4778,34 @@
                     <a:p>
                       <a:pPr>
                         <a:lnSpc>
-                          <a:spcPct val="100000"/>
-                        </a:lnSpc>
-                      </a:pPr>
-                      <a:r>
-                        <a:rPr lang="en-US" altLang="zh-CN" sz="2000" b="0" dirty="0" smtClean="0">
-                          <a:latin typeface="+mn-lt"/>
-                        </a:rPr>
-                        <a:t>By </a:t>
-                      </a:r>
-                      <a:r>
-                        <a:rPr lang="en-US" altLang="zh-CN" sz="2000" b="0" dirty="0" err="1" smtClean="0">
+                          <a:spcPct val="120000"/>
+                        </a:lnSpc>
+                      </a:pPr>
+                      <a:r>
+                        <a:rPr lang="en-US" altLang="zh-CN" sz="1800" b="0" dirty="0" err="1" smtClean="0">
                           <a:latin typeface="+mn-lt"/>
                         </a:rPr>
                         <a:t>Guancong</a:t>
                       </a:r>
                       <a:r>
-                        <a:rPr lang="en-US" altLang="zh-CN" sz="2000" b="0" dirty="0" smtClean="0">
-                          <a:latin typeface="+mn-lt"/>
-                        </a:rPr>
-                        <a:t> Ma</a:t>
-                      </a:r>
-                      <a:endParaRPr lang="zh-CN" altLang="en-US" sz="2000" b="0" dirty="0" smtClean="0">
+                        <a:rPr lang="en-US" altLang="zh-CN" sz="1800" b="0" dirty="0" smtClean="0">
+                          <a:latin typeface="+mn-lt"/>
+                        </a:rPr>
+                        <a:t> Ma (</a:t>
+                      </a:r>
+                      <a:r>
+                        <a:rPr lang="zh-CN" altLang="en-US" sz="1800" b="0" dirty="0" smtClean="0">
+                          <a:latin typeface="+mn-lt"/>
+                        </a:rPr>
+                        <a:t>馬冠聰</a:t>
+                      </a:r>
+                      <a:r>
+                        <a:rPr lang="en-US" altLang="zh-CN" sz="1800" b="0" dirty="0" smtClean="0">
+                          <a:latin typeface="+mn-lt"/>
+                        </a:rPr>
+                        <a:t>)</a:t>
+                      </a:r>
+                      <a:endParaRPr lang="zh-CN" altLang="en-US" sz="1800" b="0" dirty="0" smtClean="0">
                         <a:latin typeface="+mn-lt"/>
                       </a:endParaRPr>
                     </a:p>
@@ -4667,16 +4821,16 @@
                     <a:p>
                       <a:pPr>
                         <a:lnSpc>
-                          <a:spcPct val="150000"/>
-                        </a:lnSpc>
-                      </a:pPr>
-                      <a:r>
-                        <a:rPr lang="en-US" altLang="zh-CN" sz="2000" dirty="0" smtClean="0">
+                          <a:spcPct val="120000"/>
+                        </a:lnSpc>
+                      </a:pPr>
+                      <a:r>
+                        <a:rPr lang="en-US" altLang="zh-CN" sz="1800" dirty="0" smtClean="0">
                           <a:latin typeface="+mn-lt"/>
                         </a:rPr>
                         <a:t>17:25-17:40</a:t>
                       </a:r>
-                      <a:endParaRPr lang="zh-CN" altLang="en-US" sz="2000" dirty="0">
+                      <a:endParaRPr lang="zh-CN" altLang="en-US" sz="1800" dirty="0">
                         <a:latin typeface="+mn-lt"/>
                       </a:endParaRPr>
                     </a:p>
@@ -4690,38 +4844,56 @@
                     <a:p>
                       <a:pPr>
                         <a:lnSpc>
-                          <a:spcPct val="100000"/>
-                        </a:lnSpc>
-                      </a:pPr>
-                      <a:r>
-                        <a:rPr lang="en-US" altLang="zh-CN" sz="2000" b="0" dirty="0" smtClean="0">
+                          <a:spcPct val="120000"/>
+                        </a:lnSpc>
+                      </a:pPr>
+                      <a:r>
+                        <a:rPr lang="en-US" altLang="zh-CN" sz="1800" b="0" dirty="0" smtClean="0">
                           <a:latin typeface="+mn-lt"/>
                         </a:rPr>
                         <a:t>Elastic</a:t>
                       </a:r>
                       <a:r>
-                        <a:rPr lang="en-US" altLang="zh-CN" sz="2000" b="0" baseline="0" dirty="0" smtClean="0">
+                        <a:rPr lang="en-US" altLang="zh-CN" sz="1800" b="0" baseline="0" dirty="0" smtClean="0">
                           <a:latin typeface="+mn-lt"/>
                         </a:rPr>
                         <a:t> metasurfaces</a:t>
                       </a:r>
-                      <a:endParaRPr lang="en-US" altLang="zh-CN" sz="2000" b="0" dirty="0" smtClean="0">
+                      <a:endParaRPr lang="en-US" altLang="zh-CN" sz="1800" b="0" dirty="0" smtClean="0">
                         <a:latin typeface="+mn-lt"/>
                       </a:endParaRPr>
                     </a:p>
                     <a:p>
                       <a:pPr>
                         <a:lnSpc>
-                          <a:spcPct val="100000"/>
-                        </a:lnSpc>
-                      </a:pPr>
-                      <a:r>
-                        <a:rPr lang="en-US" altLang="zh-CN" sz="2000" b="0" dirty="0" smtClean="0">
-                          <a:latin typeface="+mn-lt"/>
-                        </a:rPr>
-                        <a:t>By Jensen Li</a:t>
-                      </a:r>
-                      <a:endParaRPr lang="zh-CN" altLang="en-US" sz="2000" b="0" dirty="0" smtClean="0">
+                          <a:spcPct val="120000"/>
+                        </a:lnSpc>
+                      </a:pPr>
+                      <a:r>
+                        <a:rPr lang="en-US" altLang="zh-CN" sz="1800" b="0" dirty="0" smtClean="0">
+                          <a:latin typeface="+mn-lt"/>
+                        </a:rPr>
+                        <a:t>Jensen Li (</a:t>
+                      </a:r>
+                      <a:r>
+                        <a:rPr lang="zh-CN" altLang="en-US" sz="1800" b="0" i="0" kern="1200" dirty="0" smtClean="0">
+                          <a:solidFill>
+                            <a:schemeClr val="tx1"/>
+                          </a:solidFill>
+                          <a:effectLst/>
+                          <a:latin typeface="+mn-lt"/>
+                          <a:ea typeface="+mn-ea"/>
+                          <a:cs typeface="+mn-cs"/>
+                        </a:rPr>
+                        <a:t>李贊恒</a:t>
+                      </a:r>
+                      <a:r>
+                        <a:rPr lang="en-US" altLang="zh-CN" sz="1800" b="0" dirty="0" smtClean="0">
+                          <a:latin typeface="+mn-lt"/>
+                        </a:rPr>
+                        <a:t>)</a:t>
+                      </a:r>
+                      <a:endParaRPr lang="zh-CN" altLang="en-US" sz="1800" b="0" dirty="0" smtClean="0">
                         <a:latin typeface="+mn-lt"/>
                       </a:endParaRPr>
                     </a:p>
@@ -4818,15 +4990,7 @@
             </a:r>
             <a:r>
               <a:rPr lang="en-US" altLang="zh-CN" sz="2400" b="1" dirty="0" smtClean="0"/>
-              <a:t>   </a:t>
-            </a:r>
-            <a:r>
-              <a:rPr lang="en-US" altLang="zh-CN" sz="2400" b="1" dirty="0" smtClean="0"/>
-              <a:t>8:30-12:00</a:t>
-            </a:r>
-            <a:r>
-              <a:rPr lang="en-US" altLang="zh-CN" sz="2400" b="1" dirty="0" smtClean="0"/>
-              <a:t>)</a:t>
+              <a:t>   8:30-12:00)</a:t>
             </a:r>
             <a:endParaRPr lang="zh-CN" altLang="en-US" sz="2400" b="1" dirty="0"/>
           </a:p>
@@ -4841,14 +5005,14 @@
           <p:nvPr>
             <p:extLst>
               <p:ext uri="{D42A27DB-BD31-4B8C-83A1-F6EECF244321}">
-                <p14:modId xmlns:p14="http://schemas.microsoft.com/office/powerpoint/2010/main" val="860833233"/>
+                <p14:modId xmlns:p14="http://schemas.microsoft.com/office/powerpoint/2010/main" val="125165804"/>
               </p:ext>
             </p:extLst>
           </p:nvPr>
         </p:nvGraphicFramePr>
         <p:xfrm>
-          <a:off x="1277932" y="1085126"/>
-          <a:ext cx="10080000" cy="5708321"/>
+          <a:off x="1781932" y="1193650"/>
+          <a:ext cx="9072000" cy="5462397"/>
         </p:xfrm>
         <a:graphic>
           <a:graphicData uri="http://schemas.openxmlformats.org/drawingml/2006/table">
@@ -4857,10 +5021,10 @@
                 <a:tableStyleId>{BDBED569-4797-4DF1-A0F4-6AAB3CD982D8}</a:tableStyleId>
               </a:tblPr>
               <a:tblGrid>
-                <a:gridCol w="1442119"/>
-                <a:gridCol w="8637881"/>
+                <a:gridCol w="1337252"/>
+                <a:gridCol w="7734748"/>
               </a:tblGrid>
-              <a:tr h="953441">
+              <a:tr h="707098">
                 <a:tc>
                   <a:txBody>
                     <a:bodyPr/>
@@ -4868,11 +5032,11 @@
                     <a:p>
                       <a:pPr marL="0" algn="l" defTabSz="914400" rtl="0" eaLnBrk="1" latinLnBrk="0" hangingPunct="1">
                         <a:lnSpc>
-                          <a:spcPct val="100000"/>
-                        </a:lnSpc>
-                      </a:pPr>
-                      <a:r>
-                        <a:rPr lang="en-US" altLang="zh-CN" sz="2000" b="0" kern="1200" dirty="0" smtClean="0">
+                          <a:spcPct val="120000"/>
+                        </a:lnSpc>
+                      </a:pPr>
+                      <a:r>
+                        <a:rPr lang="en-US" altLang="zh-CN" sz="1800" b="0" kern="1200" dirty="0" smtClean="0">
                           <a:solidFill>
                             <a:schemeClr val="tx1"/>
                           </a:solidFill>
@@ -4882,7 +5046,7 @@
                         </a:rPr>
                         <a:t>8:30-8:55</a:t>
                       </a:r>
-                      <a:endParaRPr lang="zh-CN" altLang="en-US" sz="2000" b="0" kern="1200" dirty="0">
+                      <a:endParaRPr lang="zh-CN" altLang="en-US" sz="1800" b="0" kern="1200" dirty="0">
                         <a:solidFill>
                           <a:schemeClr val="tx1"/>
                         </a:solidFill>
@@ -4901,11 +5065,11 @@
                     <a:p>
                       <a:pPr marL="0" algn="l" defTabSz="914400" rtl="0" eaLnBrk="1" latinLnBrk="0" hangingPunct="1">
                         <a:lnSpc>
-                          <a:spcPct val="100000"/>
-                        </a:lnSpc>
-                      </a:pPr>
-                      <a:r>
-                        <a:rPr lang="en-US" altLang="zh-CN" sz="2000" b="0" kern="1200" dirty="0" smtClean="0">
+                          <a:spcPct val="120000"/>
+                        </a:lnSpc>
+                      </a:pPr>
+                      <a:r>
+                        <a:rPr lang="en-US" altLang="zh-CN" sz="1800" b="0" kern="1200" dirty="0" smtClean="0">
                           <a:solidFill>
                             <a:schemeClr val="tx1"/>
                           </a:solidFill>
@@ -4913,17 +5077,10 @@
                           <a:ea typeface="+mn-ea"/>
                           <a:cs typeface="+mn-cs"/>
                         </a:rPr>
-                        <a:t>Engineered Light Emission Rate in Two-dimensional Molecular Aggregates</a:t>
-                      </a:r>
-                    </a:p>
-                    <a:p>
-                      <a:pPr marL="0" algn="l" defTabSz="914400" rtl="0" eaLnBrk="1" latinLnBrk="0" hangingPunct="1">
-                        <a:lnSpc>
-                          <a:spcPct val="100000"/>
-                        </a:lnSpc>
-                      </a:pPr>
-                      <a:r>
-                        <a:rPr lang="en-US" altLang="zh-CN" sz="2000" b="0" kern="1200" dirty="0" smtClean="0">
+                        <a:t>Engineered </a:t>
+                      </a:r>
+                      <a:r>
+                        <a:rPr lang="en-US" altLang="zh-CN" sz="1800" b="0" kern="1200" dirty="0" smtClean="0">
                           <a:solidFill>
                             <a:schemeClr val="tx1"/>
                           </a:solidFill>
@@ -4931,9 +5088,50 @@
                           <a:ea typeface="+mn-ea"/>
                           <a:cs typeface="+mn-cs"/>
                         </a:rPr>
-                        <a:t>By Nick Fang</a:t>
-                      </a:r>
-                      <a:endParaRPr lang="zh-CN" altLang="en-US" sz="2000" b="0" kern="1200" dirty="0">
+                        <a:t>Light Emission Rate in Two-dimensional Molecular Aggregates</a:t>
+                      </a:r>
+                    </a:p>
+                    <a:p>
+                      <a:pPr marL="0" algn="l" defTabSz="914400" rtl="0" eaLnBrk="1" latinLnBrk="0" hangingPunct="1">
+                        <a:lnSpc>
+                          <a:spcPct val="120000"/>
+                        </a:lnSpc>
+                      </a:pPr>
+                      <a:r>
+                        <a:rPr lang="en-US" altLang="zh-CN" sz="1800" b="0" kern="1200" dirty="0" smtClean="0">
+                          <a:solidFill>
+                            <a:schemeClr val="tx1"/>
+                          </a:solidFill>
+                          <a:latin typeface="+mn-lt"/>
+                          <a:ea typeface="+mn-ea"/>
+                          <a:cs typeface="+mn-cs"/>
+                        </a:rPr>
+                        <a:t>Nicholas Fang (</a:t>
+                      </a:r>
+                      <a:r>
+                        <a:rPr lang="zh-CN" altLang="en-US" sz="1800" b="0" i="0" kern="1200" dirty="0" smtClean="0">
+                          <a:solidFill>
+                            <a:schemeClr val="tx1"/>
+                          </a:solidFill>
+                          <a:effectLst/>
+                          <a:latin typeface="+mn-lt"/>
+                          <a:ea typeface="+mn-ea"/>
+                          <a:cs typeface="+mn-cs"/>
+                        </a:rPr>
+                        <a:t>方绚莱</a:t>
+                      </a:r>
+                      <a:r>
+                        <a:rPr lang="en-US" altLang="zh-CN" sz="1800" b="0" kern="1200" dirty="0" smtClean="0">
+                          <a:solidFill>
+                            <a:schemeClr val="tx1"/>
+                          </a:solidFill>
+                          <a:latin typeface="+mn-lt"/>
+                          <a:ea typeface="+mn-ea"/>
+                          <a:cs typeface="+mn-cs"/>
+                        </a:rPr>
+                        <a:t>)</a:t>
+                      </a:r>
+                      <a:endParaRPr lang="zh-CN" altLang="en-US" sz="1800" b="0" kern="1200" dirty="0">
                         <a:solidFill>
                           <a:schemeClr val="tx1"/>
                         </a:solidFill>
@@ -4954,11 +5152,11 @@
                     <a:p>
                       <a:pPr marL="0" algn="l" defTabSz="914400" rtl="0" eaLnBrk="1" latinLnBrk="0" hangingPunct="1">
                         <a:lnSpc>
-                          <a:spcPct val="100000"/>
-                        </a:lnSpc>
-                      </a:pPr>
-                      <a:r>
-                        <a:rPr lang="en-US" altLang="zh-CN" sz="2000" b="0" kern="1200" dirty="0" smtClean="0">
+                          <a:spcPct val="120000"/>
+                        </a:lnSpc>
+                      </a:pPr>
+                      <a:r>
+                        <a:rPr lang="en-US" altLang="zh-CN" sz="1800" b="0" kern="1200" dirty="0" smtClean="0">
                           <a:solidFill>
                             <a:schemeClr val="tx1"/>
                           </a:solidFill>
@@ -4968,7 +5166,7 @@
                         </a:rPr>
                         <a:t>8:55-9:20</a:t>
                       </a:r>
-                      <a:endParaRPr lang="zh-CN" altLang="en-US" sz="2000" b="0" kern="1200" dirty="0">
+                      <a:endParaRPr lang="zh-CN" altLang="en-US" sz="1800" b="0" kern="1200" dirty="0">
                         <a:solidFill>
                           <a:schemeClr val="tx1"/>
                         </a:solidFill>
@@ -4987,11 +5185,11 @@
                     <a:p>
                       <a:pPr marL="0" algn="l" defTabSz="914400" rtl="0" eaLnBrk="1" latinLnBrk="0" hangingPunct="1">
                         <a:lnSpc>
-                          <a:spcPct val="100000"/>
-                        </a:lnSpc>
-                      </a:pPr>
-                      <a:r>
-                        <a:rPr lang="en-US" altLang="zh-CN" sz="2000" b="0" kern="1200" dirty="0" smtClean="0">
+                          <a:spcPct val="120000"/>
+                        </a:lnSpc>
+                      </a:pPr>
+                      <a:r>
+                        <a:rPr lang="en-US" altLang="zh-CN" sz="1800" b="0" kern="1200" dirty="0" smtClean="0">
                           <a:solidFill>
                             <a:schemeClr val="tx1"/>
                           </a:solidFill>
@@ -5001,45 +5199,38 @@
                         </a:rPr>
                         <a:t>TBA</a:t>
                       </a:r>
-                      <a:endParaRPr lang="en-US" altLang="zh-CN" sz="2000" b="0" kern="1200" dirty="0" smtClean="0">
-                        <a:solidFill>
-                          <a:schemeClr val="tx1"/>
-                        </a:solidFill>
-                        <a:latin typeface="+mn-lt"/>
-                        <a:ea typeface="+mn-ea"/>
-                        <a:cs typeface="+mn-cs"/>
-                      </a:endParaRPr>
                     </a:p>
                     <a:p>
                       <a:pPr marL="0" algn="l" defTabSz="914400" rtl="0" eaLnBrk="1" latinLnBrk="0" hangingPunct="1">
                         <a:lnSpc>
-                          <a:spcPct val="100000"/>
-                        </a:lnSpc>
-                      </a:pPr>
-                      <a:r>
-                        <a:rPr lang="en-US" altLang="zh-CN" sz="2000" b="0" kern="1200" dirty="0" smtClean="0">
-                          <a:solidFill>
-                            <a:schemeClr val="tx1"/>
-                          </a:solidFill>
-                          <a:latin typeface="+mn-lt"/>
-                          <a:ea typeface="+mn-ea"/>
-                          <a:cs typeface="+mn-cs"/>
-                        </a:rPr>
-                        <a:t>By </a:t>
-                      </a:r>
-                      <a:r>
-                        <a:rPr lang="en-US" altLang="zh-CN" sz="2000" dirty="0" err="1" smtClean="0">
+                          <a:spcPct val="120000"/>
+                        </a:lnSpc>
+                      </a:pPr>
+                      <a:r>
+                        <a:rPr lang="en-US" altLang="zh-CN" sz="1800" dirty="0" err="1" smtClean="0">
                           <a:latin typeface="+mn-lt"/>
                         </a:rPr>
                         <a:t>Siyuan</a:t>
                       </a:r>
                       <a:r>
-                        <a:rPr lang="en-US" altLang="zh-CN" sz="2000" dirty="0" smtClean="0">
-                          <a:latin typeface="+mn-lt"/>
-                        </a:rPr>
-                        <a:t> Yu</a:t>
-                      </a:r>
-                      <a:endParaRPr lang="zh-CN" altLang="en-US" sz="2000" b="0" kern="1200" dirty="0">
+                        <a:rPr lang="en-US" altLang="zh-CN" sz="1800" dirty="0" smtClean="0">
+                          <a:latin typeface="+mn-lt"/>
+                        </a:rPr>
+                        <a:t> Yu (</a:t>
+                      </a:r>
+                      <a:r>
+                        <a:rPr lang="zh-CN" altLang="en-US" sz="1800" dirty="0" smtClean="0">
+                          <a:latin typeface="+mn-lt"/>
+                        </a:rPr>
+                        <a:t>余思远</a:t>
+                      </a:r>
+                      <a:r>
+                        <a:rPr lang="en-US" altLang="zh-CN" sz="1800" dirty="0" smtClean="0">
+                          <a:latin typeface="+mn-lt"/>
+                        </a:rPr>
+                        <a:t>)</a:t>
+                      </a:r>
+                      <a:endParaRPr lang="zh-CN" altLang="en-US" sz="1800" b="0" kern="1200" dirty="0">
                         <a:solidFill>
                           <a:schemeClr val="tx1"/>
                         </a:solidFill>
@@ -5060,16 +5251,16 @@
                     <a:p>
                       <a:pPr>
                         <a:lnSpc>
-                          <a:spcPct val="150000"/>
-                        </a:lnSpc>
-                      </a:pPr>
-                      <a:r>
-                        <a:rPr lang="en-US" altLang="zh-CN" sz="2000" dirty="0" smtClean="0">
+                          <a:spcPct val="120000"/>
+                        </a:lnSpc>
+                      </a:pPr>
+                      <a:r>
+                        <a:rPr lang="en-US" altLang="zh-CN" sz="1800" dirty="0" smtClean="0">
                           <a:latin typeface="+mn-lt"/>
                         </a:rPr>
                         <a:t>9:20-9:55</a:t>
                       </a:r>
-                      <a:endParaRPr lang="zh-CN" altLang="en-US" sz="2000" dirty="0">
+                      <a:endParaRPr lang="zh-CN" altLang="en-US" sz="1800" dirty="0">
                         <a:latin typeface="+mn-lt"/>
                       </a:endParaRPr>
                     </a:p>
@@ -5083,93 +5274,20 @@
                     <a:p>
                       <a:pPr>
                         <a:lnSpc>
-                          <a:spcPct val="100000"/>
-                        </a:lnSpc>
-                      </a:pPr>
-                      <a:r>
-                        <a:rPr lang="en-US" altLang="zh-CN" sz="2000" dirty="0" smtClean="0">
-                          <a:latin typeface="+mn-lt"/>
-                        </a:rPr>
-                        <a:t>Ultrafast dynamics and nonlinear optics in metamaterial/</a:t>
-                      </a:r>
-                      <a:r>
-                        <a:rPr lang="en-US" altLang="zh-CN" sz="2000" dirty="0" err="1" smtClean="0">
-                          <a:latin typeface="+mn-lt"/>
-                        </a:rPr>
-                        <a:t>plasmonic</a:t>
-                      </a:r>
-                      <a:r>
-                        <a:rPr lang="en-US" altLang="zh-CN" sz="2000" dirty="0" smtClean="0">
-                          <a:latin typeface="+mn-lt"/>
-                        </a:rPr>
-                        <a:t> structures </a:t>
-                      </a:r>
-                    </a:p>
-                    <a:p>
-                      <a:pPr>
-                        <a:lnSpc>
-                          <a:spcPct val="100000"/>
-                        </a:lnSpc>
-                      </a:pPr>
-                      <a:r>
-                        <a:rPr lang="en-US" altLang="zh-CN" sz="2000" dirty="0" smtClean="0">
-                          <a:latin typeface="+mn-lt"/>
-                        </a:rPr>
-                        <a:t>By Kam Sing Wong </a:t>
-                      </a:r>
-                      <a:endParaRPr lang="zh-CN" altLang="en-US" sz="2000" dirty="0" smtClean="0">
-                        <a:latin typeface="+mn-lt"/>
-                      </a:endParaRPr>
-                    </a:p>
-                  </a:txBody>
-                  <a:tcPr anchor="ctr"/>
-                </a:tc>
-              </a:tr>
-              <a:tr h="370840">
-                <a:tc>
-                  <a:txBody>
-                    <a:bodyPr/>
-                    <a:lstStyle/>
-                    <a:p>
-                      <a:pPr>
-                        <a:lnSpc>
-                          <a:spcPct val="150000"/>
-                        </a:lnSpc>
-                      </a:pPr>
-                      <a:r>
-                        <a:rPr lang="en-US" altLang="zh-CN" sz="2000" dirty="0" smtClean="0">
-                          <a:latin typeface="+mn-lt"/>
-                        </a:rPr>
-                        <a:t>9:55-10:20</a:t>
-                      </a:r>
-                      <a:endParaRPr lang="zh-CN" altLang="en-US" sz="2000" dirty="0">
-                        <a:latin typeface="+mn-lt"/>
-                      </a:endParaRPr>
-                    </a:p>
-                  </a:txBody>
-                  <a:tcPr anchor="ctr"/>
-                </a:tc>
-                <a:tc>
-                  <a:txBody>
-                    <a:bodyPr/>
-                    <a:lstStyle/>
-                    <a:p>
-                      <a:pPr>
-                        <a:lnSpc>
-                          <a:spcPct val="100000"/>
-                        </a:lnSpc>
-                      </a:pPr>
-                      <a:r>
-                        <a:rPr lang="zh-CN" altLang="en-US" sz="2000" baseline="0" dirty="0" smtClean="0">
-                          <a:latin typeface="+mn-lt"/>
-                        </a:rPr>
-                        <a:t>基于等离激元结构的功能图像器件</a:t>
+                          <a:spcPct val="120000"/>
+                        </a:lnSpc>
+                      </a:pPr>
+                      <a:r>
+                        <a:rPr lang="zh-CN" altLang="en-US" sz="1800" dirty="0" smtClean="0">
+                          <a:latin typeface="+mn-lt"/>
+                        </a:rPr>
+                        <a:t>用光纤探针操控微粒和细胞</a:t>
                       </a:r>
                     </a:p>
                     <a:p>
                       <a:pPr marL="0" marR="0" lvl="0" indent="0" algn="l" defTabSz="914400" rtl="0" eaLnBrk="1" fontAlgn="auto" latinLnBrk="0" hangingPunct="1">
                         <a:lnSpc>
-                          <a:spcPct val="100000"/>
+                          <a:spcPct val="120000"/>
                         </a:lnSpc>
                         <a:spcBef>
                           <a:spcPts val="0"/>
@@ -5185,24 +5303,30 @@
                         <a:defRPr/>
                       </a:pPr>
                       <a:r>
-                        <a:rPr lang="en-US" altLang="zh-CN" sz="2000" baseline="0" dirty="0" smtClean="0">
-                          <a:latin typeface="+mn-lt"/>
-                        </a:rPr>
-                        <a:t>By </a:t>
-                      </a:r>
-                      <a:r>
-                        <a:rPr lang="en-US" altLang="zh-CN" sz="2000" baseline="0" dirty="0" err="1" smtClean="0">
-                          <a:latin typeface="+mn-lt"/>
-                        </a:rPr>
-                        <a:t>Zhangkai</a:t>
-                      </a:r>
-                      <a:r>
-                        <a:rPr lang="en-US" altLang="zh-CN" sz="2000" baseline="0" dirty="0" smtClean="0">
-                          <a:latin typeface="+mn-lt"/>
-                        </a:rPr>
-                        <a:t> Zhou</a:t>
-                      </a:r>
-                      <a:endParaRPr lang="zh-CN" altLang="en-US" sz="2000" dirty="0" smtClean="0">
+                        <a:rPr lang="en-US" altLang="zh-CN" sz="1800" dirty="0" err="1" smtClean="0">
+                          <a:latin typeface="+mn-lt"/>
+                        </a:rPr>
+                        <a:t>Baojun</a:t>
+                      </a:r>
+                      <a:r>
+                        <a:rPr lang="en-US" altLang="zh-CN" sz="1800" baseline="0" dirty="0" smtClean="0">
+                          <a:latin typeface="+mn-lt"/>
+                        </a:rPr>
+                        <a:t> Li (</a:t>
+                      </a:r>
+                      <a:r>
+                        <a:rPr lang="zh-CN" altLang="en-US" sz="1800" baseline="0" dirty="0" smtClean="0">
+                          <a:latin typeface="+mn-lt"/>
+                        </a:rPr>
+                        <a:t>李宝军</a:t>
+                      </a:r>
+                      <a:r>
+                        <a:rPr lang="en-US" altLang="zh-CN" sz="1800" baseline="0" dirty="0" smtClean="0">
+                          <a:latin typeface="+mn-lt"/>
+                        </a:rPr>
+                        <a:t>)</a:t>
+                      </a:r>
+                      <a:endParaRPr lang="en-US" altLang="zh-CN" sz="1800" dirty="0" smtClean="0">
                         <a:latin typeface="+mn-lt"/>
                       </a:endParaRPr>
                     </a:p>
@@ -5218,16 +5342,16 @@
                     <a:p>
                       <a:pPr>
                         <a:lnSpc>
-                          <a:spcPct val="150000"/>
-                        </a:lnSpc>
-                      </a:pPr>
-                      <a:r>
-                        <a:rPr lang="en-US" altLang="zh-CN" sz="2000" dirty="0" smtClean="0">
-                          <a:latin typeface="+mn-lt"/>
-                        </a:rPr>
-                        <a:t>10:20-10:45</a:t>
-                      </a:r>
-                      <a:endParaRPr lang="zh-CN" altLang="en-US" sz="2000" dirty="0">
+                          <a:spcPct val="120000"/>
+                        </a:lnSpc>
+                      </a:pPr>
+                      <a:r>
+                        <a:rPr lang="en-US" altLang="zh-CN" sz="1800" dirty="0" smtClean="0">
+                          <a:latin typeface="+mn-lt"/>
+                        </a:rPr>
+                        <a:t>9:55-10:20</a:t>
+                      </a:r>
+                      <a:endParaRPr lang="zh-CN" altLang="en-US" sz="1800" dirty="0">
                         <a:latin typeface="+mn-lt"/>
                       </a:endParaRPr>
                     </a:p>
@@ -5241,22 +5365,71 @@
                     <a:p>
                       <a:pPr>
                         <a:lnSpc>
-                          <a:spcPct val="100000"/>
-                        </a:lnSpc>
-                      </a:pPr>
-                      <a:r>
-                        <a:rPr lang="en-US" altLang="zh-CN" sz="2000" dirty="0" smtClean="0">
-                          <a:latin typeface="+mn-lt"/>
-                        </a:rPr>
-                        <a:t>Coffee</a:t>
-                      </a:r>
-                      <a:r>
-                        <a:rPr lang="en-US" altLang="zh-CN" sz="2000" baseline="0" dirty="0" smtClean="0">
-                          <a:latin typeface="+mn-lt"/>
-                        </a:rPr>
-                        <a:t> Break</a:t>
-                      </a:r>
-                      <a:endParaRPr lang="zh-CN" altLang="en-US" sz="2000" dirty="0">
+                          <a:spcPct val="120000"/>
+                        </a:lnSpc>
+                      </a:pPr>
+                      <a:r>
+                        <a:rPr lang="en-US" altLang="zh-CN" sz="1800" dirty="0" smtClean="0">
+                          <a:latin typeface="+mn-lt"/>
+                        </a:rPr>
+                        <a:t>Ultrafast dynamics and nonlinear optics in metamaterial/</a:t>
+                      </a:r>
+                      <a:r>
+                        <a:rPr lang="en-US" altLang="zh-CN" sz="1800" dirty="0" err="1" smtClean="0">
+                          <a:latin typeface="+mn-lt"/>
+                        </a:rPr>
+                        <a:t>plasmonic</a:t>
+                      </a:r>
+                      <a:r>
+                        <a:rPr lang="en-US" altLang="zh-CN" sz="1800" dirty="0" smtClean="0">
+                          <a:latin typeface="+mn-lt"/>
+                        </a:rPr>
+                        <a:t> structures </a:t>
+                      </a:r>
+                    </a:p>
+                    <a:p>
+                      <a:pPr>
+                        <a:lnSpc>
+                          <a:spcPct val="120000"/>
+                        </a:lnSpc>
+                      </a:pPr>
+                      <a:r>
+                        <a:rPr lang="en-US" altLang="zh-CN" sz="1800" dirty="0" smtClean="0">
+                          <a:latin typeface="+mn-lt"/>
+                        </a:rPr>
+                        <a:t>Kam </a:t>
+                      </a:r>
+                      <a:r>
+                        <a:rPr lang="en-US" altLang="zh-CN" sz="1800" dirty="0" smtClean="0">
+                          <a:latin typeface="+mn-lt"/>
+                        </a:rPr>
+                        <a:t>Sing Wong </a:t>
+                      </a:r>
+                      <a:r>
+                        <a:rPr lang="en-US" altLang="zh-CN" sz="1800" dirty="0" smtClean="0">
+                          <a:latin typeface="+mn-lt"/>
+                        </a:rPr>
+                        <a:t>(</a:t>
+                      </a:r>
+                      <a:r>
+                        <a:rPr lang="zh-CN" altLang="en-US" sz="1800" b="0" i="0" kern="1200" dirty="0" smtClean="0">
+                          <a:solidFill>
+                            <a:schemeClr val="tx1"/>
+                          </a:solidFill>
+                          <a:effectLst/>
+                          <a:latin typeface="+mn-lt"/>
+                          <a:ea typeface="+mn-ea"/>
+                          <a:cs typeface="+mn-cs"/>
+                        </a:rPr>
+                        <a:t>黃錦聖</a:t>
+                      </a:r>
+                      <a:r>
+                        <a:rPr lang="en-US" altLang="zh-CN" sz="1800" dirty="0" smtClean="0">
+                          <a:latin typeface="+mn-lt"/>
+                        </a:rPr>
+                        <a:t>)</a:t>
+                      </a:r>
+                      <a:endParaRPr lang="zh-CN" altLang="en-US" sz="1800" dirty="0" smtClean="0">
                         <a:latin typeface="+mn-lt"/>
                       </a:endParaRPr>
                     </a:p>
@@ -5272,16 +5445,16 @@
                     <a:p>
                       <a:pPr>
                         <a:lnSpc>
-                          <a:spcPct val="150000"/>
-                        </a:lnSpc>
-                      </a:pPr>
-                      <a:r>
-                        <a:rPr lang="en-US" altLang="zh-CN" sz="2000" dirty="0" smtClean="0">
-                          <a:latin typeface="+mn-lt"/>
-                        </a:rPr>
-                        <a:t>10:45-11:10</a:t>
-                      </a:r>
-                      <a:endParaRPr lang="zh-CN" altLang="en-US" sz="2000" dirty="0">
+                          <a:spcPct val="120000"/>
+                        </a:lnSpc>
+                      </a:pPr>
+                      <a:r>
+                        <a:rPr lang="en-US" altLang="zh-CN" sz="1800" dirty="0" smtClean="0">
+                          <a:latin typeface="+mn-lt"/>
+                        </a:rPr>
+                        <a:t>10:20-10:45</a:t>
+                      </a:r>
+                      <a:endParaRPr lang="zh-CN" altLang="en-US" sz="1800" dirty="0">
                         <a:latin typeface="+mn-lt"/>
                       </a:endParaRPr>
                     </a:p>
@@ -5295,20 +5468,74 @@
                     <a:p>
                       <a:pPr>
                         <a:lnSpc>
-                          <a:spcPct val="100000"/>
-                        </a:lnSpc>
-                      </a:pPr>
-                      <a:r>
-                        <a:rPr lang="zh-CN" altLang="en-US" sz="2000" dirty="0" smtClean="0">
-                          <a:latin typeface="+mn-lt"/>
-                        </a:rPr>
-                        <a:t>用光纤探针操控微粒和细胞</a:t>
+                          <a:spcPct val="120000"/>
+                        </a:lnSpc>
+                      </a:pPr>
+                      <a:r>
+                        <a:rPr lang="en-US" altLang="zh-CN" sz="1800" dirty="0" smtClean="0">
+                          <a:latin typeface="+mn-lt"/>
+                        </a:rPr>
+                        <a:t>Coffee</a:t>
+                      </a:r>
+                      <a:r>
+                        <a:rPr lang="en-US" altLang="zh-CN" sz="1800" baseline="0" dirty="0" smtClean="0">
+                          <a:latin typeface="+mn-lt"/>
+                        </a:rPr>
+                        <a:t> Break</a:t>
+                      </a:r>
+                      <a:endParaRPr lang="zh-CN" altLang="en-US" sz="1800" dirty="0">
+                        <a:latin typeface="+mn-lt"/>
+                      </a:endParaRPr>
+                    </a:p>
+                  </a:txBody>
+                  <a:tcPr anchor="ctr"/>
+                </a:tc>
+              </a:tr>
+              <a:tr h="370840">
+                <a:tc>
+                  <a:txBody>
+                    <a:bodyPr/>
+                    <a:lstStyle/>
+                    <a:p>
+                      <a:pPr>
+                        <a:lnSpc>
+                          <a:spcPct val="120000"/>
+                        </a:lnSpc>
+                      </a:pPr>
+                      <a:r>
+                        <a:rPr lang="en-US" altLang="zh-CN" sz="1800" dirty="0" smtClean="0">
+                          <a:latin typeface="+mn-lt"/>
+                        </a:rPr>
+                        <a:t>10:45-11:10</a:t>
+                      </a:r>
+                      <a:endParaRPr lang="zh-CN" altLang="en-US" sz="1800" dirty="0">
+                        <a:latin typeface="+mn-lt"/>
+                      </a:endParaRPr>
+                    </a:p>
+                  </a:txBody>
+                  <a:tcPr anchor="ctr"/>
+                </a:tc>
+                <a:tc>
+                  <a:txBody>
+                    <a:bodyPr/>
+                    <a:lstStyle/>
+                    <a:p>
+                      <a:pPr>
+                        <a:lnSpc>
+                          <a:spcPct val="120000"/>
+                        </a:lnSpc>
+                      </a:pPr>
+                      <a:r>
+                        <a:rPr lang="zh-CN" altLang="en-US" sz="1800" baseline="0" dirty="0" smtClean="0">
+                          <a:latin typeface="+mn-lt"/>
+                        </a:rPr>
+                        <a:t>基于等离激元结构的功能图像器件</a:t>
                       </a:r>
                     </a:p>
                     <a:p>
                       <a:pPr marL="0" marR="0" lvl="0" indent="0" algn="l" defTabSz="914400" rtl="0" eaLnBrk="1" fontAlgn="auto" latinLnBrk="0" hangingPunct="1">
                         <a:lnSpc>
-                          <a:spcPct val="100000"/>
+                          <a:spcPct val="120000"/>
                         </a:lnSpc>
                         <a:spcBef>
                           <a:spcPts val="0"/>
@@ -5324,24 +5551,30 @@
                         <a:defRPr/>
                       </a:pPr>
                       <a:r>
-                        <a:rPr lang="en-US" altLang="zh-CN" sz="2000" dirty="0" smtClean="0">
-                          <a:latin typeface="+mn-lt"/>
-                        </a:rPr>
-                        <a:t>By </a:t>
-                      </a:r>
-                      <a:r>
-                        <a:rPr lang="en-US" altLang="zh-CN" sz="2000" dirty="0" err="1" smtClean="0">
-                          <a:latin typeface="+mn-lt"/>
-                        </a:rPr>
-                        <a:t>Baojun</a:t>
-                      </a:r>
-                      <a:r>
-                        <a:rPr lang="en-US" altLang="zh-CN" sz="2000" baseline="0" dirty="0" smtClean="0">
-                          <a:latin typeface="+mn-lt"/>
-                        </a:rPr>
-                        <a:t> Li</a:t>
-                      </a:r>
-                      <a:endParaRPr lang="zh-CN" altLang="en-US" sz="2000" dirty="0" smtClean="0">
+                        <a:rPr lang="en-US" altLang="zh-CN" sz="1800" baseline="0" dirty="0" err="1" smtClean="0">
+                          <a:latin typeface="+mn-lt"/>
+                        </a:rPr>
+                        <a:t>Zhangkai</a:t>
+                      </a:r>
+                      <a:r>
+                        <a:rPr lang="en-US" altLang="zh-CN" sz="1800" baseline="0" dirty="0" smtClean="0">
+                          <a:latin typeface="+mn-lt"/>
+                        </a:rPr>
+                        <a:t> Zhou (</a:t>
+                      </a:r>
+                      <a:r>
+                        <a:rPr lang="zh-CN" altLang="en-US" sz="1800" baseline="0" dirty="0" smtClean="0">
+                          <a:latin typeface="+mn-lt"/>
+                        </a:rPr>
+                        <a:t>周张凯</a:t>
+                      </a:r>
+                      <a:r>
+                        <a:rPr lang="en-US" altLang="zh-CN" sz="1800" baseline="0" dirty="0" smtClean="0">
+                          <a:latin typeface="+mn-lt"/>
+                        </a:rPr>
+                        <a:t>)</a:t>
+                      </a:r>
+                      <a:endParaRPr lang="zh-CN" altLang="en-US" sz="1800" dirty="0" smtClean="0">
                         <a:latin typeface="+mn-lt"/>
                       </a:endParaRPr>
                     </a:p>
@@ -5357,16 +5590,16 @@
                     <a:p>
                       <a:pPr>
                         <a:lnSpc>
-                          <a:spcPct val="150000"/>
-                        </a:lnSpc>
-                      </a:pPr>
-                      <a:r>
-                        <a:rPr lang="en-US" altLang="zh-CN" sz="2000" dirty="0" smtClean="0">
+                          <a:spcPct val="120000"/>
+                        </a:lnSpc>
+                      </a:pPr>
+                      <a:r>
+                        <a:rPr lang="en-US" altLang="zh-CN" sz="1800" dirty="0" smtClean="0">
                           <a:latin typeface="+mn-lt"/>
                         </a:rPr>
                         <a:t>11:10-11:35</a:t>
                       </a:r>
-                      <a:endParaRPr lang="zh-CN" altLang="en-US" sz="2000" dirty="0">
+                      <a:endParaRPr lang="zh-CN" altLang="en-US" sz="1800" dirty="0">
                         <a:latin typeface="+mn-lt"/>
                       </a:endParaRPr>
                     </a:p>
@@ -5380,38 +5613,57 @@
                     <a:p>
                       <a:pPr>
                         <a:lnSpc>
-                          <a:spcPct val="100000"/>
-                        </a:lnSpc>
-                      </a:pPr>
-                      <a:r>
-                        <a:rPr lang="en-US" altLang="zh-CN" sz="2000" dirty="0" smtClean="0">
+                          <a:spcPct val="120000"/>
+                        </a:lnSpc>
+                      </a:pPr>
+                      <a:r>
+                        <a:rPr lang="en-US" altLang="zh-CN" sz="1800" dirty="0" smtClean="0">
                           <a:latin typeface="+mn-lt"/>
                         </a:rPr>
                         <a:t>TBA</a:t>
                       </a:r>
-                      <a:endParaRPr lang="en-US" altLang="zh-CN" sz="2000" dirty="0" smtClean="0">
-                        <a:latin typeface="+mn-lt"/>
-                      </a:endParaRPr>
-                    </a:p>
-                    <a:p>
-                      <a:pPr>
-                        <a:lnSpc>
-                          <a:spcPct val="100000"/>
-                        </a:lnSpc>
-                      </a:pPr>
-                      <a:r>
-                        <a:rPr lang="en-US" altLang="zh-CN" sz="2000" dirty="0" smtClean="0">
-                          <a:latin typeface="+mn-lt"/>
-                        </a:rPr>
-                        <a:t>By Kin hung</a:t>
-                      </a:r>
-                      <a:r>
-                        <a:rPr lang="en-US" altLang="zh-CN" sz="2000" baseline="0" dirty="0" smtClean="0">
-                          <a:latin typeface="+mn-lt"/>
-                        </a:rPr>
-                        <a:t> Fung</a:t>
-                      </a:r>
-                      <a:endParaRPr lang="zh-CN" altLang="en-US" sz="2000" dirty="0" smtClean="0">
+                    </a:p>
+                    <a:p>
+                      <a:pPr>
+                        <a:lnSpc>
+                          <a:spcPct val="120000"/>
+                        </a:lnSpc>
+                      </a:pPr>
+                      <a:r>
+                        <a:rPr lang="en-US" altLang="zh-CN" sz="1800" dirty="0" smtClean="0">
+                          <a:latin typeface="+mn-lt"/>
+                        </a:rPr>
+                        <a:t>Kin </a:t>
+                      </a:r>
+                      <a:r>
+                        <a:rPr lang="en-US" altLang="zh-CN" sz="1800" dirty="0" smtClean="0">
+                          <a:latin typeface="+mn-lt"/>
+                        </a:rPr>
+                        <a:t>hung</a:t>
+                      </a:r>
+                      <a:r>
+                        <a:rPr lang="en-US" altLang="zh-CN" sz="1800" baseline="0" dirty="0" smtClean="0">
+                          <a:latin typeface="+mn-lt"/>
+                        </a:rPr>
+                        <a:t> </a:t>
+                      </a:r>
+                      <a:r>
+                        <a:rPr lang="en-US" altLang="zh-CN" sz="1800" baseline="0" dirty="0" smtClean="0">
+                          <a:latin typeface="+mn-lt"/>
+                        </a:rPr>
+                        <a:t>Fung (</a:t>
+                      </a:r>
+                      <a:r>
+                        <a:rPr lang="zh-CN" altLang="en-US" dirty="0" smtClean="0"/>
+                        <a:t>馮建雄</a:t>
+                      </a:r>
+                      <a:r>
+                        <a:rPr lang="en-US" altLang="zh-CN" sz="1800" baseline="0" dirty="0" smtClean="0">
+                          <a:latin typeface="+mn-lt"/>
+                        </a:rPr>
+                        <a:t>)</a:t>
+                      </a:r>
+                      <a:endParaRPr lang="zh-CN" altLang="en-US" sz="1800" dirty="0" smtClean="0">
                         <a:latin typeface="+mn-lt"/>
                       </a:endParaRPr>
                     </a:p>
@@ -5427,16 +5679,16 @@
                     <a:p>
                       <a:pPr>
                         <a:lnSpc>
-                          <a:spcPct val="150000"/>
-                        </a:lnSpc>
-                      </a:pPr>
-                      <a:r>
-                        <a:rPr lang="en-US" altLang="zh-CN" sz="2000" dirty="0" smtClean="0">
+                          <a:spcPct val="120000"/>
+                        </a:lnSpc>
+                      </a:pPr>
+                      <a:r>
+                        <a:rPr lang="en-US" altLang="zh-CN" sz="1800" dirty="0" smtClean="0">
                           <a:latin typeface="+mn-lt"/>
                         </a:rPr>
                         <a:t>11:35-12:00</a:t>
                       </a:r>
-                      <a:endParaRPr lang="zh-CN" altLang="en-US" sz="2000" dirty="0">
+                      <a:endParaRPr lang="zh-CN" altLang="en-US" sz="1800" dirty="0">
                         <a:latin typeface="+mn-lt"/>
                       </a:endParaRPr>
                     </a:p>
@@ -5450,11 +5702,11 @@
                     <a:p>
                       <a:pPr>
                         <a:lnSpc>
-                          <a:spcPct val="100000"/>
-                        </a:lnSpc>
-                      </a:pPr>
-                      <a:r>
-                        <a:rPr lang="zh-CN" altLang="en-US" sz="2000" baseline="0" dirty="0" smtClean="0">
+                          <a:spcPct val="120000"/>
+                        </a:lnSpc>
+                      </a:pPr>
+                      <a:r>
+                        <a:rPr lang="zh-CN" altLang="en-US" sz="1800" baseline="0" dirty="0" smtClean="0">
                           <a:latin typeface="+mn-lt"/>
                         </a:rPr>
                         <a:t>低维纳米材料的光学二倍频效应</a:t>
@@ -5463,28 +5715,34 @@
                     <a:p>
                       <a:pPr>
                         <a:lnSpc>
-                          <a:spcPct val="100000"/>
-                        </a:lnSpc>
-                      </a:pPr>
-                      <a:r>
-                        <a:rPr lang="en-US" altLang="zh-CN" sz="2000" baseline="0" dirty="0" smtClean="0">
-                          <a:latin typeface="+mn-lt"/>
-                        </a:rPr>
-                        <a:t>By </a:t>
-                      </a:r>
-                      <a:r>
-                        <a:rPr lang="en-US" altLang="zh-CN" sz="2000" dirty="0" err="1" smtClean="0">
+                          <a:spcPct val="120000"/>
+                        </a:lnSpc>
+                      </a:pPr>
+                      <a:r>
+                        <a:rPr lang="en-US" altLang="zh-CN" sz="1800" dirty="0" err="1" smtClean="0">
                           <a:latin typeface="+mn-lt"/>
                         </a:rPr>
                         <a:t>Huakang</a:t>
                       </a:r>
                       <a:r>
-                        <a:rPr lang="en-US" altLang="zh-CN" sz="2000" dirty="0" smtClean="0">
-                          <a:latin typeface="+mn-lt"/>
-                        </a:rPr>
-                        <a:t> Yu</a:t>
-                      </a:r>
-                      <a:endParaRPr lang="zh-CN" altLang="en-US" sz="2000" dirty="0">
+                        <a:rPr lang="en-US" altLang="zh-CN" sz="1800" dirty="0" smtClean="0">
+                          <a:latin typeface="+mn-lt"/>
+                        </a:rPr>
+                        <a:t> Yu (</a:t>
+                      </a:r>
+                      <a:r>
+                        <a:rPr lang="zh-CN" altLang="en-US" sz="1800" dirty="0" smtClean="0">
+                          <a:latin typeface="+mn-lt"/>
+                        </a:rPr>
+                        <a:t>虞华康</a:t>
+                      </a:r>
+                      <a:r>
+                        <a:rPr lang="en-US" altLang="zh-CN" sz="1800" dirty="0" smtClean="0">
+                          <a:latin typeface="+mn-lt"/>
+                        </a:rPr>
+                        <a:t>)</a:t>
+                      </a:r>
+                      <a:endParaRPr lang="zh-CN" altLang="en-US" sz="1800" dirty="0">
                         <a:latin typeface="+mn-lt"/>
                       </a:endParaRPr>
                     </a:p>
@@ -5581,15 +5839,7 @@
             </a:r>
             <a:r>
               <a:rPr lang="en-US" altLang="zh-CN" sz="2400" b="1" dirty="0" smtClean="0"/>
-              <a:t> </a:t>
-            </a:r>
-            <a:r>
-              <a:rPr lang="en-US" altLang="zh-CN" sz="2400" b="1" dirty="0" smtClean="0"/>
-              <a:t>14:30-17:40</a:t>
-            </a:r>
-            <a:r>
-              <a:rPr lang="en-US" altLang="zh-CN" sz="2400" b="1" dirty="0" smtClean="0"/>
-              <a:t>)</a:t>
+              <a:t> 14:30-17:40)</a:t>
             </a:r>
             <a:endParaRPr lang="zh-CN" altLang="en-US" sz="2400" b="1" dirty="0"/>
           </a:p>
@@ -5604,14 +5854,14 @@
           <p:nvPr>
             <p:extLst>
               <p:ext uri="{D42A27DB-BD31-4B8C-83A1-F6EECF244321}">
-                <p14:modId xmlns:p14="http://schemas.microsoft.com/office/powerpoint/2010/main" val="295637532"/>
+                <p14:modId xmlns:p14="http://schemas.microsoft.com/office/powerpoint/2010/main" val="4209256886"/>
               </p:ext>
             </p:extLst>
           </p:nvPr>
         </p:nvGraphicFramePr>
         <p:xfrm>
-          <a:off x="1287456" y="1097280"/>
-          <a:ext cx="10080000" cy="5760720"/>
+          <a:off x="1791456" y="1106424"/>
+          <a:ext cx="9072000" cy="5791581"/>
         </p:xfrm>
         <a:graphic>
           <a:graphicData uri="http://schemas.openxmlformats.org/drawingml/2006/table">
@@ -5620,8 +5870,8 @@
                 <a:tableStyleId>{BDBED569-4797-4DF1-A0F4-6AAB3CD982D8}</a:tableStyleId>
               </a:tblPr>
               <a:tblGrid>
-                <a:gridCol w="1502043"/>
-                <a:gridCol w="8577957"/>
+                <a:gridCol w="1351839"/>
+                <a:gridCol w="7720161"/>
               </a:tblGrid>
               <a:tr h="370840">
                 <a:tc>
@@ -5631,16 +5881,16 @@
                     <a:p>
                       <a:pPr>
                         <a:lnSpc>
-                          <a:spcPct val="150000"/>
-                        </a:lnSpc>
-                      </a:pPr>
-                      <a:r>
-                        <a:rPr lang="en-US" altLang="zh-CN" sz="2000" b="0" dirty="0" smtClean="0">
+                          <a:spcPct val="120000"/>
+                        </a:lnSpc>
+                      </a:pPr>
+                      <a:r>
+                        <a:rPr lang="en-US" altLang="zh-CN" sz="1800" b="0" dirty="0" smtClean="0">
                           <a:latin typeface="+mn-lt"/>
                         </a:rPr>
                         <a:t>14:30-14:55</a:t>
                       </a:r>
-                      <a:endParaRPr lang="zh-CN" altLang="en-US" sz="2000" b="0" dirty="0">
+                      <a:endParaRPr lang="zh-CN" altLang="en-US" sz="1800" b="0" dirty="0">
                         <a:latin typeface="+mn-lt"/>
                       </a:endParaRPr>
                     </a:p>
@@ -5654,11 +5904,11 @@
                     <a:p>
                       <a:pPr>
                         <a:lnSpc>
-                          <a:spcPct val="100000"/>
-                        </a:lnSpc>
-                      </a:pPr>
-                      <a:r>
-                        <a:rPr lang="en-US" altLang="zh-CN" sz="2000" b="0" kern="1200" dirty="0" err="1" smtClean="0">
+                          <a:spcPct val="120000"/>
+                        </a:lnSpc>
+                      </a:pPr>
+                      <a:r>
+                        <a:rPr lang="en-US" altLang="zh-CN" sz="1800" b="0" kern="1200" dirty="0" err="1" smtClean="0">
                           <a:solidFill>
                             <a:schemeClr val="tx1"/>
                           </a:solidFill>
@@ -5669,7 +5919,7 @@
                         <a:t>Metahologram</a:t>
                       </a:r>
                       <a:r>
-                        <a:rPr lang="en-US" altLang="zh-CN" sz="2000" b="0" kern="1200" dirty="0" smtClean="0">
+                        <a:rPr lang="en-US" altLang="zh-CN" sz="1800" b="0" kern="1200" dirty="0" smtClean="0">
                           <a:solidFill>
                             <a:schemeClr val="tx1"/>
                           </a:solidFill>
@@ -5680,7 +5930,7 @@
                         <a:t> from </a:t>
                       </a:r>
                       <a:r>
-                        <a:rPr lang="en-US" altLang="zh-CN" sz="2000" b="0" kern="1200" dirty="0" err="1" smtClean="0">
+                        <a:rPr lang="en-US" altLang="zh-CN" sz="1800" b="0" kern="1200" dirty="0" err="1" smtClean="0">
                           <a:solidFill>
                             <a:schemeClr val="tx1"/>
                           </a:solidFill>
@@ -5691,7 +5941,7 @@
                         <a:t>vectorial</a:t>
                       </a:r>
                       <a:r>
-                        <a:rPr lang="en-US" altLang="zh-CN" sz="2000" b="0" kern="1200" dirty="0" smtClean="0">
+                        <a:rPr lang="en-US" altLang="zh-CN" sz="1800" b="0" kern="1200" dirty="0" smtClean="0">
                           <a:solidFill>
                             <a:schemeClr val="tx1"/>
                           </a:solidFill>
@@ -5705,11 +5955,11 @@
                     <a:p>
                       <a:pPr>
                         <a:lnSpc>
-                          <a:spcPct val="100000"/>
-                        </a:lnSpc>
-                      </a:pPr>
-                      <a:r>
-                        <a:rPr lang="en-US" altLang="zh-CN" sz="2000" b="0" kern="1200" dirty="0" smtClean="0">
+                          <a:spcPct val="120000"/>
+                        </a:lnSpc>
+                      </a:pPr>
+                      <a:r>
+                        <a:rPr lang="en-US" altLang="zh-CN" sz="1800" b="0" kern="1200" dirty="0" err="1" smtClean="0">
                           <a:solidFill>
                             <a:schemeClr val="tx1"/>
                           </a:solidFill>
@@ -5717,10 +5967,10 @@
                           <a:ea typeface="+mn-ea"/>
                           <a:cs typeface="+mn-cs"/>
                         </a:rPr>
-                        <a:t>By </a:t>
-                      </a:r>
-                      <a:r>
-                        <a:rPr lang="en-US" altLang="zh-CN" sz="2000" b="0" kern="1200" dirty="0" err="1" smtClean="0">
+                        <a:t>Xiangping</a:t>
+                      </a:r>
+                      <a:r>
+                        <a:rPr lang="en-US" altLang="zh-CN" sz="1800" b="0" kern="1200" dirty="0" smtClean="0">
                           <a:solidFill>
                             <a:schemeClr val="tx1"/>
                           </a:solidFill>
@@ -5728,10 +5978,10 @@
                           <a:ea typeface="+mn-ea"/>
                           <a:cs typeface="+mn-cs"/>
                         </a:rPr>
-                        <a:t>Xiangping</a:t>
-                      </a:r>
-                      <a:r>
-                        <a:rPr lang="en-US" altLang="zh-CN" sz="2000" b="0" kern="1200" dirty="0" smtClean="0">
+                        <a:t> Li (</a:t>
+                      </a:r>
+                      <a:r>
+                        <a:rPr lang="zh-CN" altLang="en-US" sz="1800" b="0" kern="1200" dirty="0" smtClean="0">
                           <a:solidFill>
                             <a:schemeClr val="tx1"/>
                           </a:solidFill>
@@ -5739,9 +5989,20 @@
                           <a:ea typeface="+mn-ea"/>
                           <a:cs typeface="+mn-cs"/>
                         </a:rPr>
-                        <a:t> Li</a:t>
-                      </a:r>
-                      <a:endParaRPr lang="zh-CN" altLang="en-US" sz="2000" b="0" kern="1200" dirty="0">
+                        <a:t>李向平</a:t>
+                      </a:r>
+                      <a:r>
+                        <a:rPr lang="en-US" altLang="zh-CN" sz="1800" b="0" kern="1200" dirty="0" smtClean="0">
+                          <a:solidFill>
+                            <a:schemeClr val="tx1"/>
+                          </a:solidFill>
+                          <a:latin typeface="+mn-lt"/>
+                          <a:ea typeface="+mn-ea"/>
+                          <a:cs typeface="+mn-cs"/>
+                        </a:rPr>
+                        <a:t>)</a:t>
+                      </a:r>
+                      <a:endParaRPr lang="zh-CN" altLang="en-US" sz="1800" b="0" kern="1200" dirty="0">
                         <a:solidFill>
                           <a:schemeClr val="tx1"/>
                         </a:solidFill>
@@ -5762,16 +6023,16 @@
                     <a:p>
                       <a:pPr>
                         <a:lnSpc>
-                          <a:spcPct val="150000"/>
-                        </a:lnSpc>
-                      </a:pPr>
-                      <a:r>
-                        <a:rPr lang="en-US" altLang="zh-CN" sz="2000" dirty="0" smtClean="0">
+                          <a:spcPct val="120000"/>
+                        </a:lnSpc>
+                      </a:pPr>
+                      <a:r>
+                        <a:rPr lang="en-US" altLang="zh-CN" sz="1800" dirty="0" smtClean="0">
                           <a:latin typeface="+mn-lt"/>
                         </a:rPr>
                         <a:t>14:55-15:20</a:t>
                       </a:r>
-                      <a:endParaRPr lang="zh-CN" altLang="en-US" sz="2000" dirty="0">
+                      <a:endParaRPr lang="zh-CN" altLang="en-US" sz="1800" dirty="0">
                         <a:latin typeface="+mn-lt"/>
                       </a:endParaRPr>
                     </a:p>
@@ -5785,41 +6046,65 @@
                     <a:p>
                       <a:pPr>
                         <a:lnSpc>
-                          <a:spcPct val="100000"/>
-                        </a:lnSpc>
-                      </a:pPr>
-                      <a:r>
-                        <a:rPr lang="en-US" altLang="zh-CN" sz="2000" dirty="0" smtClean="0">
+                          <a:spcPct val="120000"/>
+                        </a:lnSpc>
+                      </a:pPr>
+                      <a:r>
+                        <a:rPr lang="en-US" altLang="zh-CN" sz="1800" dirty="0" smtClean="0">
                           <a:latin typeface="+mn-lt"/>
                         </a:rPr>
                         <a:t>Controlling wave propagation by manipulating angular momentum</a:t>
                       </a:r>
                     </a:p>
                     <a:p>
-                      <a:pPr>
-                        <a:lnSpc>
-                          <a:spcPct val="100000"/>
-                        </a:lnSpc>
-                      </a:pPr>
-                      <a:r>
-                        <a:rPr lang="en-US" altLang="zh-CN" sz="2000" dirty="0" smtClean="0">
-                          <a:latin typeface="+mn-lt"/>
-                        </a:rPr>
-                        <a:t>By </a:t>
-                      </a:r>
-                      <a:r>
-                        <a:rPr lang="en-US" altLang="zh-CN" sz="2000" dirty="0" err="1" smtClean="0">
+                      <a:pPr marL="0" marR="0" lvl="0" indent="0" algn="l" defTabSz="914400" rtl="0" eaLnBrk="1" fontAlgn="auto" latinLnBrk="0" hangingPunct="1">
+                        <a:lnSpc>
+                          <a:spcPct val="120000"/>
+                        </a:lnSpc>
+                        <a:spcBef>
+                          <a:spcPts val="0"/>
+                        </a:spcBef>
+                        <a:spcAft>
+                          <a:spcPts val="0"/>
+                        </a:spcAft>
+                        <a:buClrTx/>
+                        <a:buSzTx/>
+                        <a:buFontTx/>
+                        <a:buNone/>
+                        <a:tabLst/>
+                        <a:defRPr/>
+                      </a:pPr>
+                      <a:r>
+                        <a:rPr lang="en-US" altLang="zh-CN" sz="1800" dirty="0" err="1" smtClean="0">
                           <a:latin typeface="+mn-lt"/>
                         </a:rPr>
                         <a:t>Shubo</a:t>
                       </a:r>
                       <a:r>
-                        <a:rPr lang="en-US" altLang="zh-CN" sz="2000" baseline="0" dirty="0" smtClean="0">
-                          <a:latin typeface="+mn-lt"/>
-                        </a:rPr>
-                        <a:t> Wang</a:t>
-                      </a:r>
-                      <a:endParaRPr lang="zh-CN" altLang="en-US" sz="2000" dirty="0">
+                        <a:rPr lang="en-US" altLang="zh-CN" sz="1800" baseline="0" dirty="0" smtClean="0">
+                          <a:latin typeface="+mn-lt"/>
+                        </a:rPr>
+                        <a:t> Wang (</a:t>
+                      </a:r>
+                      <a:r>
+                        <a:rPr lang="zh-CN" altLang="en-US" sz="1800" b="0" i="0" kern="1200" dirty="0" smtClean="0">
+                          <a:solidFill>
+                            <a:schemeClr val="tx1"/>
+                          </a:solidFill>
+                          <a:effectLst/>
+                          <a:latin typeface="+mn-lt"/>
+                          <a:ea typeface="+mn-ea"/>
+                          <a:cs typeface="+mn-cs"/>
+                        </a:rPr>
+                        <a:t>王書波</a:t>
+                      </a:r>
+                      <a:r>
+                        <a:rPr lang="en-US" altLang="zh-CN" sz="1800" baseline="0" dirty="0" smtClean="0">
+                          <a:latin typeface="+mn-lt"/>
+                        </a:rPr>
+                        <a:t>)</a:t>
+                      </a:r>
+                      <a:endParaRPr lang="zh-CN" altLang="en-US" sz="1800" dirty="0">
                         <a:latin typeface="+mn-lt"/>
                       </a:endParaRPr>
                     </a:p>
@@ -5835,16 +6120,16 @@
                     <a:p>
                       <a:pPr>
                         <a:lnSpc>
-                          <a:spcPct val="150000"/>
-                        </a:lnSpc>
-                      </a:pPr>
-                      <a:r>
-                        <a:rPr lang="en-US" altLang="zh-CN" sz="2000" dirty="0" smtClean="0">
+                          <a:spcPct val="120000"/>
+                        </a:lnSpc>
+                      </a:pPr>
+                      <a:r>
+                        <a:rPr lang="en-US" altLang="zh-CN" sz="1800" dirty="0" smtClean="0">
                           <a:latin typeface="+mn-lt"/>
                         </a:rPr>
                         <a:t>15:20-15:45</a:t>
                       </a:r>
-                      <a:endParaRPr lang="zh-CN" altLang="en-US" sz="2000" dirty="0">
+                      <a:endParaRPr lang="zh-CN" altLang="en-US" sz="1800" dirty="0">
                         <a:latin typeface="+mn-lt"/>
                       </a:endParaRPr>
                     </a:p>
@@ -5858,44 +6143,47 @@
                     <a:p>
                       <a:pPr>
                         <a:lnSpc>
-                          <a:spcPct val="100000"/>
-                        </a:lnSpc>
-                      </a:pPr>
-                      <a:r>
-                        <a:rPr lang="en-US" altLang="zh-CN" sz="2000" dirty="0" smtClean="0">
+                          <a:spcPct val="120000"/>
+                        </a:lnSpc>
+                      </a:pPr>
+                      <a:r>
+                        <a:rPr lang="en-US" altLang="zh-CN" sz="1800" dirty="0" smtClean="0">
                           <a:latin typeface="+mn-lt"/>
                         </a:rPr>
                         <a:t>TBA</a:t>
                       </a:r>
-                      <a:endParaRPr lang="en-US" altLang="zh-CN" sz="2000" dirty="0" smtClean="0">
-                        <a:latin typeface="+mn-lt"/>
-                      </a:endParaRPr>
-                    </a:p>
-                    <a:p>
-                      <a:pPr>
-                        <a:lnSpc>
-                          <a:spcPct val="100000"/>
-                        </a:lnSpc>
-                      </a:pPr>
-                      <a:r>
-                        <a:rPr lang="en-US" altLang="zh-CN" sz="2000" dirty="0" smtClean="0">
-                          <a:latin typeface="+mn-lt"/>
-                        </a:rPr>
-                        <a:t>By </a:t>
-                      </a:r>
-                      <a:r>
-                        <a:rPr lang="en-US" altLang="zh-CN" sz="2000" dirty="0" err="1" smtClean="0">
+                    </a:p>
+                    <a:p>
+                      <a:pPr>
+                        <a:lnSpc>
+                          <a:spcPct val="120000"/>
+                        </a:lnSpc>
+                      </a:pPr>
+                      <a:r>
+                        <a:rPr lang="en-US" altLang="zh-CN" sz="1800" dirty="0" err="1" smtClean="0">
                           <a:latin typeface="+mn-lt"/>
                         </a:rPr>
                         <a:t>Xinlun</a:t>
                       </a:r>
                       <a:r>
-                        <a:rPr lang="en-US" altLang="zh-CN" sz="2000" dirty="0" smtClean="0">
-                          <a:latin typeface="+mn-lt"/>
-                        </a:rPr>
-                        <a:t> Cai</a:t>
-                      </a:r>
-                      <a:endParaRPr lang="zh-CN" altLang="en-US" sz="2000" dirty="0" smtClean="0">
+                        <a:rPr lang="en-US" altLang="zh-CN" sz="1800" dirty="0" smtClean="0">
+                          <a:latin typeface="+mn-lt"/>
+                        </a:rPr>
+                        <a:t> Cai (</a:t>
+                      </a:r>
+                      <a:r>
+                        <a:rPr lang="zh-CN" altLang="en-US" sz="1800" dirty="0" smtClean="0">
+                          <a:latin typeface="+mn-lt"/>
+                        </a:rPr>
+                        <a:t>蔡鑫伦</a:t>
+                      </a:r>
+                      <a:r>
+                        <a:rPr lang="en-US" altLang="zh-CN" sz="1800" dirty="0" smtClean="0">
+                          <a:latin typeface="+mn-lt"/>
+                        </a:rPr>
+                        <a:t>)</a:t>
+                      </a:r>
+                      <a:endParaRPr lang="zh-CN" altLang="en-US" sz="1800" dirty="0" smtClean="0">
                         <a:latin typeface="+mn-lt"/>
                       </a:endParaRPr>
                     </a:p>
@@ -5911,16 +6199,16 @@
                     <a:p>
                       <a:pPr>
                         <a:lnSpc>
-                          <a:spcPct val="150000"/>
-                        </a:lnSpc>
-                      </a:pPr>
-                      <a:r>
-                        <a:rPr lang="en-US" altLang="zh-CN" sz="2000" dirty="0" smtClean="0">
+                          <a:spcPct val="120000"/>
+                        </a:lnSpc>
+                      </a:pPr>
+                      <a:r>
+                        <a:rPr lang="en-US" altLang="zh-CN" sz="1800" dirty="0" smtClean="0">
                           <a:latin typeface="+mn-lt"/>
                         </a:rPr>
                         <a:t>15:45-16:10</a:t>
                       </a:r>
-                      <a:endParaRPr lang="zh-CN" altLang="en-US" sz="2000" dirty="0">
+                      <a:endParaRPr lang="zh-CN" altLang="en-US" sz="1800" dirty="0">
                         <a:latin typeface="+mn-lt"/>
                       </a:endParaRPr>
                     </a:p>
@@ -5934,22 +6222,22 @@
                     <a:p>
                       <a:pPr>
                         <a:lnSpc>
-                          <a:spcPct val="100000"/>
-                        </a:lnSpc>
-                      </a:pPr>
-                      <a:r>
-                        <a:rPr lang="en-US" altLang="zh-CN" sz="2000" dirty="0" smtClean="0">
+                          <a:spcPct val="120000"/>
+                        </a:lnSpc>
+                      </a:pPr>
+                      <a:r>
+                        <a:rPr lang="en-US" altLang="zh-CN" sz="1800" dirty="0" smtClean="0">
                           <a:latin typeface="+mn-lt"/>
                         </a:rPr>
                         <a:t>Coffee</a:t>
                       </a:r>
                       <a:r>
-                        <a:rPr lang="en-US" altLang="zh-CN" sz="2000" baseline="0" dirty="0" smtClean="0">
+                        <a:rPr lang="en-US" altLang="zh-CN" sz="1800" baseline="0" dirty="0" smtClean="0">
                           <a:latin typeface="+mn-lt"/>
                         </a:rPr>
                         <a:t> Break</a:t>
                       </a:r>
-                      <a:endParaRPr lang="zh-CN" altLang="en-US" sz="2000" dirty="0">
+                      <a:endParaRPr lang="zh-CN" altLang="en-US" sz="1800" dirty="0">
                         <a:latin typeface="+mn-lt"/>
                       </a:endParaRPr>
                     </a:p>
@@ -5965,16 +6253,16 @@
                     <a:p>
                       <a:pPr>
                         <a:lnSpc>
-                          <a:spcPct val="150000"/>
-                        </a:lnSpc>
-                      </a:pPr>
-                      <a:r>
-                        <a:rPr lang="en-US" altLang="zh-CN" sz="2000" dirty="0" smtClean="0">
+                          <a:spcPct val="120000"/>
+                        </a:lnSpc>
+                      </a:pPr>
+                      <a:r>
+                        <a:rPr lang="en-US" altLang="zh-CN" sz="1800" dirty="0" smtClean="0">
                           <a:latin typeface="+mn-lt"/>
                         </a:rPr>
                         <a:t>16:10-16:35</a:t>
                       </a:r>
-                      <a:endParaRPr lang="zh-CN" altLang="en-US" sz="2000" dirty="0">
+                      <a:endParaRPr lang="zh-CN" altLang="en-US" sz="1800" dirty="0">
                         <a:latin typeface="+mn-lt"/>
                       </a:endParaRPr>
                     </a:p>
@@ -5988,11 +6276,11 @@
                     <a:p>
                       <a:pPr>
                         <a:lnSpc>
-                          <a:spcPct val="100000"/>
-                        </a:lnSpc>
-                      </a:pPr>
-                      <a:r>
-                        <a:rPr lang="en-US" altLang="zh-CN" sz="2000" dirty="0" smtClean="0">
+                          <a:spcPct val="120000"/>
+                        </a:lnSpc>
+                      </a:pPr>
+                      <a:r>
+                        <a:rPr lang="en-US" altLang="zh-CN" sz="1800" dirty="0" smtClean="0">
                           <a:latin typeface="+mn-lt"/>
                         </a:rPr>
                         <a:t>Optical Tractor Beam with Macroscopic Range</a:t>
@@ -6001,16 +6289,34 @@
                     <a:p>
                       <a:pPr>
                         <a:lnSpc>
-                          <a:spcPct val="100000"/>
-                        </a:lnSpc>
-                      </a:pPr>
-                      <a:r>
-                        <a:rPr lang="en-US" altLang="zh-CN" sz="2000" dirty="0" smtClean="0">
-                          <a:latin typeface="+mn-lt"/>
-                        </a:rPr>
-                        <a:t>By Jack Ng</a:t>
-                      </a:r>
-                      <a:endParaRPr lang="zh-CN" altLang="en-US" sz="2000" dirty="0" smtClean="0">
+                          <a:spcPct val="120000"/>
+                        </a:lnSpc>
+                      </a:pPr>
+                      <a:r>
+                        <a:rPr lang="en-US" altLang="zh-CN" sz="1800" dirty="0" smtClean="0">
+                          <a:latin typeface="+mn-lt"/>
+                        </a:rPr>
+                        <a:t>Jack Ng (</a:t>
+                      </a:r>
+                      <a:r>
+                        <a:rPr lang="zh-CN" altLang="en-US" sz="1800" b="0" i="0" kern="1200" dirty="0" smtClean="0">
+                          <a:solidFill>
+                            <a:schemeClr val="tx1"/>
+                          </a:solidFill>
+                          <a:effectLst/>
+                          <a:latin typeface="+mn-lt"/>
+                          <a:ea typeface="+mn-ea"/>
+                          <a:cs typeface="+mn-cs"/>
+                        </a:rPr>
+                        <a:t>吳紫輝</a:t>
+                      </a:r>
+                      <a:r>
+                        <a:rPr lang="en-US" altLang="zh-CN" sz="1800" dirty="0" smtClean="0">
+                          <a:latin typeface="+mn-lt"/>
+                        </a:rPr>
+                        <a:t>)</a:t>
+                      </a:r>
+                      <a:endParaRPr lang="zh-CN" altLang="en-US" sz="1800" dirty="0" smtClean="0">
                         <a:latin typeface="+mn-lt"/>
                       </a:endParaRPr>
                     </a:p>
@@ -6026,16 +6332,16 @@
                     <a:p>
                       <a:pPr>
                         <a:lnSpc>
-                          <a:spcPct val="150000"/>
-                        </a:lnSpc>
-                      </a:pPr>
-                      <a:r>
-                        <a:rPr lang="en-US" altLang="zh-CN" sz="2000" dirty="0" smtClean="0">
+                          <a:spcPct val="120000"/>
+                        </a:lnSpc>
+                      </a:pPr>
+                      <a:r>
+                        <a:rPr lang="en-US" altLang="zh-CN" sz="1800" dirty="0" smtClean="0">
                           <a:latin typeface="+mn-lt"/>
                         </a:rPr>
                         <a:t>16:35-17:00</a:t>
                       </a:r>
-                      <a:endParaRPr lang="zh-CN" altLang="en-US" sz="2000" dirty="0">
+                      <a:endParaRPr lang="zh-CN" altLang="en-US" sz="1800" dirty="0">
                         <a:latin typeface="+mn-lt"/>
                       </a:endParaRPr>
                     </a:p>
@@ -6049,23 +6355,23 @@
                     <a:p>
                       <a:pPr>
                         <a:lnSpc>
-                          <a:spcPct val="100000"/>
-                        </a:lnSpc>
-                      </a:pPr>
-                      <a:r>
-                        <a:rPr lang="en-US" altLang="zh-CN" sz="2000" dirty="0" smtClean="0">
+                          <a:spcPct val="120000"/>
+                        </a:lnSpc>
+                      </a:pPr>
+                      <a:r>
+                        <a:rPr lang="en-US" altLang="zh-CN" sz="1800" dirty="0" smtClean="0">
                           <a:latin typeface="+mn-lt"/>
                         </a:rPr>
                         <a:t>Optical beam lithography (OBL) facilitated </a:t>
                       </a:r>
                       <a:r>
-                        <a:rPr lang="en-US" altLang="zh-CN" sz="2000" dirty="0" err="1" smtClean="0">
+                        <a:rPr lang="en-US" altLang="zh-CN" sz="1800" dirty="0" err="1" smtClean="0">
                           <a:latin typeface="+mn-lt"/>
                         </a:rPr>
                         <a:t>nanophotonics</a:t>
                       </a:r>
                       <a:r>
-                        <a:rPr lang="en-US" altLang="zh-CN" sz="2000" dirty="0" smtClean="0">
+                        <a:rPr lang="en-US" altLang="zh-CN" sz="1800" dirty="0" smtClean="0">
                           <a:latin typeface="+mn-lt"/>
                         </a:rPr>
                         <a:t>: new challenges and opportunities</a:t>
@@ -6074,28 +6380,34 @@
                     <a:p>
                       <a:pPr>
                         <a:lnSpc>
-                          <a:spcPct val="100000"/>
-                        </a:lnSpc>
-                      </a:pPr>
-                      <a:r>
-                        <a:rPr lang="en-US" altLang="zh-CN" sz="2000" dirty="0" smtClean="0">
-                          <a:latin typeface="+mn-lt"/>
-                        </a:rPr>
-                        <a:t>By </a:t>
-                      </a:r>
-                      <a:r>
-                        <a:rPr lang="en-US" altLang="zh-CN" sz="2000" dirty="0" err="1" smtClean="0">
+                          <a:spcPct val="120000"/>
+                        </a:lnSpc>
+                      </a:pPr>
+                      <a:r>
+                        <a:rPr lang="en-US" altLang="zh-CN" sz="1800" dirty="0" err="1" smtClean="0">
                           <a:latin typeface="+mn-lt"/>
                         </a:rPr>
                         <a:t>Yaoyu</a:t>
                       </a:r>
                       <a:r>
-                        <a:rPr lang="en-US" altLang="zh-CN" sz="2000" dirty="0" smtClean="0">
-                          <a:latin typeface="+mn-lt"/>
-                        </a:rPr>
-                        <a:t> Cao</a:t>
-                      </a:r>
-                      <a:endParaRPr lang="zh-CN" altLang="en-US" sz="2000" dirty="0" smtClean="0">
+                        <a:rPr lang="en-US" altLang="zh-CN" sz="1800" dirty="0" smtClean="0">
+                          <a:latin typeface="+mn-lt"/>
+                        </a:rPr>
+                        <a:t> Cao (</a:t>
+                      </a:r>
+                      <a:r>
+                        <a:rPr lang="zh-CN" altLang="en-US" sz="1800" dirty="0" smtClean="0">
+                          <a:latin typeface="+mn-lt"/>
+                        </a:rPr>
+                        <a:t>曹耀宇</a:t>
+                      </a:r>
+                      <a:r>
+                        <a:rPr lang="en-US" altLang="zh-CN" sz="1800" dirty="0" smtClean="0">
+                          <a:latin typeface="+mn-lt"/>
+                        </a:rPr>
+                        <a:t>)</a:t>
+                      </a:r>
+                      <a:endParaRPr lang="zh-CN" altLang="en-US" sz="1800" dirty="0" smtClean="0">
                         <a:latin typeface="+mn-lt"/>
                       </a:endParaRPr>
                     </a:p>
@@ -6111,16 +6423,16 @@
                     <a:p>
                       <a:pPr>
                         <a:lnSpc>
-                          <a:spcPct val="150000"/>
-                        </a:lnSpc>
-                      </a:pPr>
-                      <a:r>
-                        <a:rPr lang="en-US" altLang="zh-CN" sz="2000" dirty="0" smtClean="0">
+                          <a:spcPct val="120000"/>
+                        </a:lnSpc>
+                      </a:pPr>
+                      <a:r>
+                        <a:rPr lang="en-US" altLang="zh-CN" sz="1800" dirty="0" smtClean="0">
                           <a:latin typeface="+mn-lt"/>
                         </a:rPr>
                         <a:t>17:00-17:25</a:t>
                       </a:r>
-                      <a:endParaRPr lang="zh-CN" altLang="en-US" sz="2000" dirty="0">
+                      <a:endParaRPr lang="zh-CN" altLang="en-US" sz="1800" dirty="0">
                         <a:latin typeface="+mn-lt"/>
                       </a:endParaRPr>
                     </a:p>
@@ -6134,38 +6446,59 @@
                     <a:p>
                       <a:pPr>
                         <a:lnSpc>
-                          <a:spcPct val="100000"/>
-                        </a:lnSpc>
-                      </a:pPr>
-                      <a:r>
-                        <a:rPr lang="en-US" altLang="zh-CN" sz="2000" dirty="0" smtClean="0">
+                          <a:spcPct val="120000"/>
+                        </a:lnSpc>
+                      </a:pPr>
+                      <a:r>
+                        <a:rPr lang="en-US" altLang="zh-CN" sz="1800" dirty="0" smtClean="0">
                           <a:latin typeface="+mn-lt"/>
                         </a:rPr>
                         <a:t>TBA</a:t>
                       </a:r>
-                      <a:endParaRPr lang="en-US" altLang="zh-CN" sz="2000" dirty="0" smtClean="0">
-                        <a:latin typeface="+mn-lt"/>
-                      </a:endParaRPr>
-                    </a:p>
-                    <a:p>
-                      <a:pPr>
-                        <a:lnSpc>
-                          <a:spcPct val="100000"/>
-                        </a:lnSpc>
-                      </a:pPr>
-                      <a:r>
-                        <a:rPr lang="en-US" altLang="zh-CN" sz="2000" dirty="0" smtClean="0">
-                          <a:latin typeface="+mn-lt"/>
-                        </a:rPr>
-                        <a:t>By </a:t>
-                      </a:r>
-                      <a:r>
-                        <a:rPr lang="en-US" altLang="zh-CN" sz="2000" baseline="0" dirty="0" smtClean="0">
-                          <a:latin typeface="+mn-lt"/>
-                        </a:rPr>
-                        <a:t>Alex Wong</a:t>
-                      </a:r>
-                      <a:endParaRPr lang="zh-CN" altLang="en-US" sz="2000" dirty="0" smtClean="0">
+                    </a:p>
+                    <a:p>
+                      <a:pPr marL="0" marR="0" lvl="0" indent="0" algn="l" defTabSz="914400" rtl="0" eaLnBrk="1" fontAlgn="auto" latinLnBrk="0" hangingPunct="1">
+                        <a:lnSpc>
+                          <a:spcPct val="120000"/>
+                        </a:lnSpc>
+                        <a:spcBef>
+                          <a:spcPts val="0"/>
+                        </a:spcBef>
+                        <a:spcAft>
+                          <a:spcPts val="0"/>
+                        </a:spcAft>
+                        <a:buClrTx/>
+                        <a:buSzTx/>
+                        <a:buFontTx/>
+                        <a:buNone/>
+                        <a:tabLst/>
+                        <a:defRPr/>
+                      </a:pPr>
+                      <a:r>
+                        <a:rPr lang="en-US" altLang="zh-CN" sz="1800" baseline="0" dirty="0" smtClean="0">
+                          <a:latin typeface="+mn-lt"/>
+                        </a:rPr>
+                        <a:t>Alex Wong (</a:t>
+                      </a:r>
+                      <a:r>
+                        <a:rPr lang="zh-CN" altLang="en-US" sz="1800" b="0" i="0" kern="1200" dirty="0" smtClean="0">
+                          <a:solidFill>
+                            <a:schemeClr val="tx1"/>
+                          </a:solidFill>
+                          <a:effectLst/>
+                          <a:latin typeface="+mn-lt"/>
+                          <a:ea typeface="+mn-ea"/>
+                          <a:cs typeface="+mn-cs"/>
+                        </a:rPr>
+                        <a:t>王文瀚</a:t>
+                      </a:r>
+                      <a:r>
+                        <a:rPr lang="en-US" altLang="zh-CN" sz="1800" baseline="0" dirty="0" smtClean="0">
+                          <a:latin typeface="+mn-lt"/>
+                        </a:rPr>
+                        <a:t>)</a:t>
+                      </a:r>
+                      <a:endParaRPr lang="zh-CN" altLang="en-US" sz="1800" dirty="0" smtClean="0">
                         <a:latin typeface="+mn-lt"/>
                       </a:endParaRPr>
                     </a:p>
@@ -6181,16 +6514,16 @@
                     <a:p>
                       <a:pPr>
                         <a:lnSpc>
-                          <a:spcPct val="150000"/>
-                        </a:lnSpc>
-                      </a:pPr>
-                      <a:r>
-                        <a:rPr lang="en-US" altLang="zh-CN" sz="2000" dirty="0" smtClean="0">
+                          <a:spcPct val="120000"/>
+                        </a:lnSpc>
+                      </a:pPr>
+                      <a:r>
+                        <a:rPr lang="en-US" altLang="zh-CN" sz="1800" dirty="0" smtClean="0">
                           <a:latin typeface="+mn-lt"/>
                         </a:rPr>
                         <a:t>17:25-17:40</a:t>
                       </a:r>
-                      <a:endParaRPr lang="zh-CN" altLang="en-US" sz="2000" dirty="0">
+                      <a:endParaRPr lang="zh-CN" altLang="en-US" sz="1800" dirty="0">
                         <a:latin typeface="+mn-lt"/>
                       </a:endParaRPr>
                     </a:p>
@@ -6204,41 +6537,65 @@
                     <a:p>
                       <a:pPr>
                         <a:lnSpc>
-                          <a:spcPct val="100000"/>
-                        </a:lnSpc>
-                      </a:pPr>
-                      <a:r>
-                        <a:rPr lang="en-US" altLang="zh-CN" sz="2000" dirty="0" smtClean="0">
+                          <a:spcPct val="120000"/>
+                        </a:lnSpc>
+                      </a:pPr>
+                      <a:r>
+                        <a:rPr lang="en-US" altLang="zh-CN" sz="1800" dirty="0" smtClean="0">
                           <a:latin typeface="+mn-lt"/>
                         </a:rPr>
                         <a:t>TBA</a:t>
                       </a:r>
                     </a:p>
                     <a:p>
-                      <a:pPr>
-                        <a:lnSpc>
-                          <a:spcPct val="100000"/>
-                        </a:lnSpc>
-                      </a:pPr>
-                      <a:r>
-                        <a:rPr lang="en-US" altLang="zh-CN" sz="2000" dirty="0" smtClean="0">
-                          <a:latin typeface="+mn-lt"/>
-                        </a:rPr>
-                        <a:t>By </a:t>
-                      </a:r>
-                      <a:r>
-                        <a:rPr lang="en-US" altLang="zh-CN" sz="2000" dirty="0" err="1" smtClean="0">
+                      <a:pPr marL="0" marR="0" lvl="0" indent="0" algn="l" defTabSz="914400" rtl="0" eaLnBrk="1" fontAlgn="auto" latinLnBrk="0" hangingPunct="1">
+                        <a:lnSpc>
+                          <a:spcPct val="120000"/>
+                        </a:lnSpc>
+                        <a:spcBef>
+                          <a:spcPts val="0"/>
+                        </a:spcBef>
+                        <a:spcAft>
+                          <a:spcPts val="0"/>
+                        </a:spcAft>
+                        <a:buClrTx/>
+                        <a:buSzTx/>
+                        <a:buFontTx/>
+                        <a:buNone/>
+                        <a:tabLst/>
+                        <a:defRPr/>
+                      </a:pPr>
+                      <a:r>
+                        <a:rPr lang="en-US" altLang="zh-CN" sz="1800" dirty="0" err="1" smtClean="0">
                           <a:latin typeface="+mn-lt"/>
                         </a:rPr>
                         <a:t>Guixin</a:t>
                       </a:r>
                       <a:r>
-                        <a:rPr lang="en-US" altLang="zh-CN" sz="2000" dirty="0" smtClean="0">
-                          <a:latin typeface="+mn-lt"/>
-                        </a:rPr>
-                        <a:t> Li</a:t>
-                      </a:r>
-                      <a:endParaRPr lang="zh-CN" altLang="en-US" sz="2000" dirty="0" smtClean="0">
+                        <a:rPr lang="en-US" altLang="zh-CN" sz="1800" dirty="0" smtClean="0">
+                          <a:latin typeface="+mn-lt"/>
+                        </a:rPr>
+                        <a:t> Li (</a:t>
+                      </a:r>
+                      <a:r>
+                        <a:rPr lang="zh-CN" altLang="en-US" sz="1800" b="0" i="0" kern="1200" dirty="0" smtClean="0">
+                          <a:solidFill>
+                            <a:schemeClr val="tx1"/>
+                          </a:solidFill>
+                          <a:effectLst/>
+                          <a:latin typeface="+mn-lt"/>
+                          <a:ea typeface="+mn-ea"/>
+                          <a:cs typeface="+mn-cs"/>
+                        </a:rPr>
+                        <a:t>李贵新</a:t>
+                      </a:r>
+                      <a:r>
+                        <a:rPr lang="en-US" altLang="zh-CN" sz="1800" dirty="0" smtClean="0">
+                          <a:latin typeface="+mn-lt"/>
+                        </a:rPr>
+                        <a:t>)</a:t>
+                      </a:r>
+                      <a:endParaRPr lang="zh-CN" altLang="en-US" sz="1800" dirty="0" smtClean="0">
                         <a:latin typeface="+mn-lt"/>
                       </a:endParaRPr>
                     </a:p>
@@ -6254,43 +6611,6 @@
     <p:extLst>
       <p:ext uri="{BB962C8B-B14F-4D97-AF65-F5344CB8AC3E}">
         <p14:creationId xmlns:p14="http://schemas.microsoft.com/office/powerpoint/2010/main" val="1678046926"/>
-      </p:ext>
-    </p:extLst>
-  </p:cSld>
-  <p:clrMapOvr>
-    <a:masterClrMapping/>
-  </p:clrMapOvr>
-  <p:timing>
-    <p:tnLst>
-      <p:par>
-        <p:cTn id="1" dur="indefinite" restart="never" nodeType="tmRoot"/>
-      </p:par>
-    </p:tnLst>
-  </p:timing>
-</p:sld>
-</file>
-
-<file path=ppt/slides/slide6.xml><?xml version="1.0" encoding="utf-8"?>
-<p:sld xmlns:a="http://schemas.openxmlformats.org/drawingml/2006/main" xmlns:r="http://schemas.openxmlformats.org/officeDocument/2006/relationships" xmlns:p="http://schemas.openxmlformats.org/presentationml/2006/main">
-  <p:cSld>
-    <p:spTree>
-      <p:nvGrpSpPr>
-        <p:cNvPr id="1" name=""/>
-        <p:cNvGrpSpPr/>
-        <p:nvPr/>
-      </p:nvGrpSpPr>
-      <p:grpSpPr>
-        <a:xfrm>
-          <a:off x="0" y="0"/>
-          <a:ext cx="0" cy="0"/>
-          <a:chOff x="0" y="0"/>
-          <a:chExt cx="0" cy="0"/>
-        </a:xfrm>
-      </p:grpSpPr>
-    </p:spTree>
-    <p:extLst>
-      <p:ext uri="{BB962C8B-B14F-4D97-AF65-F5344CB8AC3E}">
-        <p14:creationId xmlns:p14="http://schemas.microsoft.com/office/powerpoint/2010/main" val="499374148"/>
       </p:ext>
     </p:extLst>
   </p:cSld>

--- a/text/Program.pptx
+++ b/text/Program.pptx
@@ -6,10 +6,10 @@
   </p:sldMasterIdLst>
   <p:sldIdLst>
     <p:sldId id="260" r:id="rId2"/>
-    <p:sldId id="256" r:id="rId3"/>
-    <p:sldId id="261" r:id="rId4"/>
-    <p:sldId id="262" r:id="rId5"/>
-    <p:sldId id="263" r:id="rId6"/>
+    <p:sldId id="264" r:id="rId3"/>
+    <p:sldId id="265" r:id="rId4"/>
+    <p:sldId id="266" r:id="rId5"/>
+    <p:sldId id="267" r:id="rId6"/>
   </p:sldIdLst>
   <p:sldSz cx="12192000" cy="6858000"/>
   <p:notesSz cx="6858000" cy="9144000"/>
@@ -247,7 +247,7 @@
           <a:p>
             <a:fld id="{D0B35E32-9907-4F95-B048-8C7490A1B878}" type="datetimeFigureOut">
               <a:rPr lang="zh-CN" altLang="en-US" smtClean="0"/>
-              <a:t>2018/5/10</a:t>
+              <a:t>2018/5/11</a:t>
             </a:fld>
             <a:endParaRPr lang="zh-CN" altLang="en-US"/>
           </a:p>
@@ -417,7 +417,7 @@
           <a:p>
             <a:fld id="{D0B35E32-9907-4F95-B048-8C7490A1B878}" type="datetimeFigureOut">
               <a:rPr lang="zh-CN" altLang="en-US" smtClean="0"/>
-              <a:t>2018/5/10</a:t>
+              <a:t>2018/5/11</a:t>
             </a:fld>
             <a:endParaRPr lang="zh-CN" altLang="en-US"/>
           </a:p>
@@ -597,7 +597,7 @@
           <a:p>
             <a:fld id="{D0B35E32-9907-4F95-B048-8C7490A1B878}" type="datetimeFigureOut">
               <a:rPr lang="zh-CN" altLang="en-US" smtClean="0"/>
-              <a:t>2018/5/10</a:t>
+              <a:t>2018/5/11</a:t>
             </a:fld>
             <a:endParaRPr lang="zh-CN" altLang="en-US"/>
           </a:p>
@@ -767,7 +767,7 @@
           <a:p>
             <a:fld id="{D0B35E32-9907-4F95-B048-8C7490A1B878}" type="datetimeFigureOut">
               <a:rPr lang="zh-CN" altLang="en-US" smtClean="0"/>
-              <a:t>2018/5/10</a:t>
+              <a:t>2018/5/11</a:t>
             </a:fld>
             <a:endParaRPr lang="zh-CN" altLang="en-US"/>
           </a:p>
@@ -1013,7 +1013,7 @@
           <a:p>
             <a:fld id="{D0B35E32-9907-4F95-B048-8C7490A1B878}" type="datetimeFigureOut">
               <a:rPr lang="zh-CN" altLang="en-US" smtClean="0"/>
-              <a:t>2018/5/10</a:t>
+              <a:t>2018/5/11</a:t>
             </a:fld>
             <a:endParaRPr lang="zh-CN" altLang="en-US"/>
           </a:p>
@@ -1245,7 +1245,7 @@
           <a:p>
             <a:fld id="{D0B35E32-9907-4F95-B048-8C7490A1B878}" type="datetimeFigureOut">
               <a:rPr lang="zh-CN" altLang="en-US" smtClean="0"/>
-              <a:t>2018/5/10</a:t>
+              <a:t>2018/5/11</a:t>
             </a:fld>
             <a:endParaRPr lang="zh-CN" altLang="en-US"/>
           </a:p>
@@ -1612,7 +1612,7 @@
           <a:p>
             <a:fld id="{D0B35E32-9907-4F95-B048-8C7490A1B878}" type="datetimeFigureOut">
               <a:rPr lang="zh-CN" altLang="en-US" smtClean="0"/>
-              <a:t>2018/5/10</a:t>
+              <a:t>2018/5/11</a:t>
             </a:fld>
             <a:endParaRPr lang="zh-CN" altLang="en-US"/>
           </a:p>
@@ -1730,7 +1730,7 @@
           <a:p>
             <a:fld id="{D0B35E32-9907-4F95-B048-8C7490A1B878}" type="datetimeFigureOut">
               <a:rPr lang="zh-CN" altLang="en-US" smtClean="0"/>
-              <a:t>2018/5/10</a:t>
+              <a:t>2018/5/11</a:t>
             </a:fld>
             <a:endParaRPr lang="zh-CN" altLang="en-US"/>
           </a:p>
@@ -1825,7 +1825,7 @@
           <a:p>
             <a:fld id="{D0B35E32-9907-4F95-B048-8C7490A1B878}" type="datetimeFigureOut">
               <a:rPr lang="zh-CN" altLang="en-US" smtClean="0"/>
-              <a:t>2018/5/10</a:t>
+              <a:t>2018/5/11</a:t>
             </a:fld>
             <a:endParaRPr lang="zh-CN" altLang="en-US"/>
           </a:p>
@@ -2102,7 +2102,7 @@
           <a:p>
             <a:fld id="{D0B35E32-9907-4F95-B048-8C7490A1B878}" type="datetimeFigureOut">
               <a:rPr lang="zh-CN" altLang="en-US" smtClean="0"/>
-              <a:t>2018/5/10</a:t>
+              <a:t>2018/5/11</a:t>
             </a:fld>
             <a:endParaRPr lang="zh-CN" altLang="en-US"/>
           </a:p>
@@ -2355,7 +2355,7 @@
           <a:p>
             <a:fld id="{D0B35E32-9907-4F95-B048-8C7490A1B878}" type="datetimeFigureOut">
               <a:rPr lang="zh-CN" altLang="en-US" smtClean="0"/>
-              <a:t>2018/5/10</a:t>
+              <a:t>2018/5/11</a:t>
             </a:fld>
             <a:endParaRPr lang="zh-CN" altLang="en-US"/>
           </a:p>
@@ -2568,7 +2568,7 @@
           <a:p>
             <a:fld id="{D0B35E32-9907-4F95-B048-8C7490A1B878}" type="datetimeFigureOut">
               <a:rPr lang="zh-CN" altLang="en-US" smtClean="0"/>
-              <a:t>2018/5/10</a:t>
+              <a:t>2018/5/11</a:t>
             </a:fld>
             <a:endParaRPr lang="zh-CN" altLang="en-US"/>
           </a:p>
@@ -3021,15 +3021,7 @@
             </a:r>
             <a:r>
               <a:rPr lang="en-US" altLang="zh-CN" sz="2400" b="1" dirty="0" smtClean="0"/>
-              <a:t>   </a:t>
-            </a:r>
-            <a:r>
-              <a:rPr lang="en-US" altLang="zh-CN" sz="2400" b="1" dirty="0" smtClean="0"/>
-              <a:t>8:30-12:00</a:t>
-            </a:r>
-            <a:r>
-              <a:rPr lang="en-US" altLang="zh-CN" sz="2400" b="1" dirty="0" smtClean="0"/>
-              <a:t>)</a:t>
+              <a:t>   8:30-12:00)</a:t>
             </a:r>
             <a:endParaRPr lang="zh-CN" altLang="en-US" sz="2400" b="1" dirty="0"/>
           </a:p>
@@ -3150,15 +3142,7 @@
             </a:r>
             <a:r>
               <a:rPr lang="en-US" altLang="zh-CN" sz="2400" b="1" dirty="0" smtClean="0"/>
-              <a:t>   </a:t>
-            </a:r>
-            <a:r>
-              <a:rPr lang="en-US" altLang="zh-CN" sz="2400" b="1" dirty="0" smtClean="0"/>
-              <a:t>14:30-17:40</a:t>
-            </a:r>
-            <a:r>
-              <a:rPr lang="en-US" altLang="zh-CN" sz="2400" b="1" dirty="0" smtClean="0"/>
-              <a:t>)</a:t>
+              <a:t>   14:30-17:40)</a:t>
             </a:r>
             <a:endParaRPr lang="zh-CN" altLang="en-US" sz="2400" b="1" dirty="0"/>
           </a:p>
@@ -3266,15 +3250,7 @@
             </a:r>
             <a:r>
               <a:rPr lang="en-US" altLang="zh-CN" sz="2400" b="1" dirty="0" smtClean="0"/>
-              <a:t> </a:t>
-            </a:r>
-            <a:r>
-              <a:rPr lang="en-US" altLang="zh-CN" sz="2400" b="1" dirty="0" smtClean="0"/>
-              <a:t>14:00-17:40</a:t>
-            </a:r>
-            <a:r>
-              <a:rPr lang="en-US" altLang="zh-CN" sz="2400" b="1" dirty="0" smtClean="0"/>
-              <a:t>)</a:t>
+              <a:t> 14:00-17:40)</a:t>
             </a:r>
             <a:endParaRPr lang="zh-CN" altLang="en-US" sz="2400" b="1" dirty="0"/>
           </a:p>
@@ -3378,16 +3354,12 @@
             <a:graphicFrameLocks noGrp="1"/>
           </p:cNvGraphicFramePr>
           <p:nvPr>
-            <p:extLst>
-              <p:ext uri="{D42A27DB-BD31-4B8C-83A1-F6EECF244321}">
-                <p14:modId xmlns:p14="http://schemas.microsoft.com/office/powerpoint/2010/main" val="977431104"/>
-              </p:ext>
-            </p:extLst>
+            <p:extLst/>
           </p:nvPr>
         </p:nvGraphicFramePr>
         <p:xfrm>
           <a:off x="1854756" y="1129642"/>
-          <a:ext cx="9072000" cy="5137658"/>
+          <a:ext cx="9072000" cy="5340096"/>
         </p:xfrm>
         <a:graphic>
           <a:graphicData uri="http://schemas.openxmlformats.org/drawingml/2006/table">
@@ -3513,19 +3485,7 @@
                         <a:rPr lang="en-US" altLang="zh-CN" sz="1800" i="0" baseline="0" dirty="0" smtClean="0">
                           <a:latin typeface="+mn-lt"/>
                         </a:rPr>
-                        <a:t> </a:t>
-                      </a:r>
-                      <a:r>
-                        <a:rPr lang="en-US" altLang="zh-CN" sz="1800" i="0" baseline="0" dirty="0" smtClean="0">
-                          <a:latin typeface="+mn-lt"/>
-                        </a:rPr>
-                        <a:t>Wang </a:t>
-                      </a:r>
-                      <a:r>
-                        <a:rPr lang="en-US" altLang="zh-CN" sz="1800" i="0" baseline="0" dirty="0" smtClean="0">
-                          <a:latin typeface="+mn-lt"/>
-                        </a:rPr>
-                        <a:t>(</a:t>
+                        <a:t> Wang (</a:t>
                       </a:r>
                       <a:r>
                         <a:rPr lang="zh-CN" altLang="en-US" sz="1800" i="0" baseline="0" dirty="0" smtClean="0">
@@ -3713,13 +3673,7 @@
                         <a:rPr lang="en-US" altLang="zh-CN" sz="1800" dirty="0" smtClean="0">
                           <a:latin typeface="+mn-lt"/>
                         </a:rPr>
-                        <a:t> Yuan </a:t>
-                      </a:r>
-                      <a:r>
-                        <a:rPr lang="en-US" altLang="zh-CN" sz="1800" dirty="0" smtClean="0">
-                          <a:latin typeface="+mn-lt"/>
-                        </a:rPr>
-                        <a:t>(</a:t>
+                        <a:t> Yuan (</a:t>
                       </a:r>
                       <a:r>
                         <a:rPr lang="zh-CN" altLang="en-US" sz="1800" b="0" i="0" kern="1200" dirty="0" smtClean="0">
@@ -3797,16 +3751,7 @@
                           </a:solidFill>
                           <a:latin typeface="+mn-lt"/>
                         </a:rPr>
-                        <a:t> </a:t>
-                      </a:r>
-                      <a:r>
-                        <a:rPr lang="en-US" altLang="zh-CN" sz="1800" baseline="0" dirty="0" smtClean="0">
-                          <a:solidFill>
-                            <a:schemeClr val="tx1"/>
-                          </a:solidFill>
-                          <a:latin typeface="+mn-lt"/>
-                        </a:rPr>
-                        <a:t>Break</a:t>
+                        <a:t> Break</a:t>
                       </a:r>
                       <a:endParaRPr lang="zh-CN" altLang="en-US" sz="1800" dirty="0">
                         <a:solidFill>
@@ -3894,13 +3839,7 @@
                         <a:rPr lang="en-US" altLang="zh-CN" sz="1800" dirty="0" smtClean="0">
                           <a:latin typeface="+mn-lt"/>
                         </a:rPr>
-                        <a:t> </a:t>
-                      </a:r>
-                      <a:r>
-                        <a:rPr lang="en-US" altLang="zh-CN" sz="1800" dirty="0" smtClean="0">
-                          <a:latin typeface="+mn-lt"/>
-                        </a:rPr>
-                        <a:t>(</a:t>
+                        <a:t> (</a:t>
                       </a:r>
                       <a:r>
                         <a:rPr lang="zh-CN" altLang="en-US" sz="1800" b="0" i="0" kern="1200" dirty="0" smtClean="0">
@@ -3979,25 +3918,13 @@
                         <a:rPr lang="en-US" altLang="zh-CN" sz="1800" dirty="0" smtClean="0">
                           <a:latin typeface="+mn-lt"/>
                         </a:rPr>
-                        <a:t>WY </a:t>
-                      </a:r>
-                      <a:r>
-                        <a:rPr lang="en-US" altLang="zh-CN" sz="1800" dirty="0" smtClean="0">
-                          <a:latin typeface="+mn-lt"/>
-                        </a:rPr>
-                        <a:t>Tam</a:t>
+                        <a:t>WY Tam</a:t>
                       </a:r>
                       <a:r>
                         <a:rPr lang="en-US" altLang="zh-CN" sz="1800" b="0" dirty="0" smtClean="0">
                           <a:latin typeface="+mn-lt"/>
                         </a:rPr>
-                        <a:t> </a:t>
-                      </a:r>
-                      <a:r>
-                        <a:rPr lang="en-US" altLang="zh-CN" sz="1800" b="0" dirty="0" smtClean="0">
-                          <a:latin typeface="+mn-lt"/>
-                        </a:rPr>
-                        <a:t>(</a:t>
+                        <a:t> (</a:t>
                       </a:r>
                       <a:r>
                         <a:rPr lang="zh-CN" altLang="en-US" sz="1800" b="0" i="0" kern="1200" dirty="0" smtClean="0">
@@ -4138,7 +4065,7 @@
     </p:spTree>
     <p:extLst>
       <p:ext uri="{BB962C8B-B14F-4D97-AF65-F5344CB8AC3E}">
-        <p14:creationId xmlns:p14="http://schemas.microsoft.com/office/powerpoint/2010/main" val="1169632349"/>
+        <p14:creationId xmlns:p14="http://schemas.microsoft.com/office/powerpoint/2010/main" val="1058682523"/>
       </p:ext>
     </p:extLst>
   </p:cSld>
@@ -4220,7 +4147,15 @@
             </a:r>
             <a:r>
               <a:rPr lang="en-US" altLang="zh-CN" sz="2400" b="1" dirty="0" smtClean="0"/>
-              <a:t>   14:30-17:40)</a:t>
+              <a:t>   </a:t>
+            </a:r>
+            <a:r>
+              <a:rPr lang="en-US" altLang="zh-CN" sz="2400" b="1" dirty="0" smtClean="0"/>
+              <a:t>14:30-17:50</a:t>
+            </a:r>
+            <a:r>
+              <a:rPr lang="en-US" altLang="zh-CN" sz="2400" b="1" dirty="0" smtClean="0"/>
+              <a:t>)</a:t>
             </a:r>
             <a:endParaRPr lang="zh-CN" altLang="en-US" sz="2400" b="1" dirty="0"/>
           </a:p>
@@ -4233,16 +4168,12 @@
             <a:graphicFrameLocks noGrp="1"/>
           </p:cNvGraphicFramePr>
           <p:nvPr>
-            <p:extLst>
-              <p:ext uri="{D42A27DB-BD31-4B8C-83A1-F6EECF244321}">
-                <p14:modId xmlns:p14="http://schemas.microsoft.com/office/powerpoint/2010/main" val="2378114044"/>
-              </p:ext>
-            </p:extLst>
+            <p:extLst/>
           </p:nvPr>
         </p:nvGraphicFramePr>
         <p:xfrm>
           <a:off x="1832511" y="1141837"/>
-          <a:ext cx="9072000" cy="5462397"/>
+          <a:ext cx="9072000" cy="5529072"/>
         </p:xfrm>
         <a:graphic>
           <a:graphicData uri="http://schemas.openxmlformats.org/drawingml/2006/table">
@@ -4828,7 +4759,7 @@
                         <a:rPr lang="en-US" altLang="zh-CN" sz="1800" dirty="0" smtClean="0">
                           <a:latin typeface="+mn-lt"/>
                         </a:rPr>
-                        <a:t>17:25-17:40</a:t>
+                        <a:t>17:25-17:50</a:t>
                       </a:r>
                       <a:endParaRPr lang="zh-CN" altLang="en-US" sz="1800" dirty="0">
                         <a:latin typeface="+mn-lt"/>
@@ -4842,60 +4773,126 @@
                     <a:bodyPr/>
                     <a:lstStyle/>
                     <a:p>
-                      <a:pPr>
-                        <a:lnSpc>
-                          <a:spcPct val="120000"/>
-                        </a:lnSpc>
-                      </a:pPr>
-                      <a:r>
-                        <a:rPr lang="en-US" altLang="zh-CN" sz="1800" b="0" dirty="0" smtClean="0">
-                          <a:latin typeface="+mn-lt"/>
-                        </a:rPr>
-                        <a:t>Elastic</a:t>
-                      </a:r>
-                      <a:r>
-                        <a:rPr lang="en-US" altLang="zh-CN" sz="1800" b="0" baseline="0" dirty="0" smtClean="0">
-                          <a:latin typeface="+mn-lt"/>
-                        </a:rPr>
-                        <a:t> metasurfaces</a:t>
-                      </a:r>
-                      <a:endParaRPr lang="en-US" altLang="zh-CN" sz="1800" b="0" dirty="0" smtClean="0">
-                        <a:latin typeface="+mn-lt"/>
-                      </a:endParaRPr>
-                    </a:p>
-                    <a:p>
-                      <a:pPr>
-                        <a:lnSpc>
-                          <a:spcPct val="120000"/>
-                        </a:lnSpc>
-                      </a:pPr>
-                      <a:r>
-                        <a:rPr lang="en-US" altLang="zh-CN" sz="1800" b="0" dirty="0" smtClean="0">
-                          <a:latin typeface="+mn-lt"/>
-                        </a:rPr>
-                        <a:t>Jensen Li (</a:t>
-                      </a:r>
-                      <a:r>
-                        <a:rPr lang="zh-CN" altLang="en-US" sz="1800" b="0" i="0" kern="1200" dirty="0" smtClean="0">
+                      <a:r>
+                        <a:rPr lang="en-US" altLang="zh-CN" sz="1600" kern="1200" dirty="0" smtClean="0">
                           <a:solidFill>
                             <a:schemeClr val="tx1"/>
                           </a:solidFill>
-                          <a:effectLst/>
                           <a:latin typeface="+mn-lt"/>
                           <a:ea typeface="+mn-ea"/>
                           <a:cs typeface="+mn-cs"/>
                         </a:rPr>
-                        <a:t>李贊恒</a:t>
-                      </a:r>
-                      <a:r>
-                        <a:rPr lang="en-US" altLang="zh-CN" sz="1800" b="0" dirty="0" smtClean="0">
-                          <a:latin typeface="+mn-lt"/>
+                        <a:t>Some interesting </a:t>
+                      </a:r>
+                      <a:r>
+                        <a:rPr lang="en-US" altLang="zh-CN" sz="1600" kern="1200" dirty="0" err="1" smtClean="0">
+                          <a:solidFill>
+                            <a:schemeClr val="tx1"/>
+                          </a:solidFill>
+                          <a:latin typeface="+mn-lt"/>
+                          <a:ea typeface="+mn-ea"/>
+                          <a:cs typeface="+mn-cs"/>
+                        </a:rPr>
+                        <a:t>nano</a:t>
+                      </a:r>
+                      <a:r>
+                        <a:rPr lang="en-US" altLang="zh-CN" sz="1600" kern="1200" dirty="0" smtClean="0">
+                          <a:solidFill>
+                            <a:schemeClr val="tx1"/>
+                          </a:solidFill>
+                          <a:latin typeface="+mn-lt"/>
+                          <a:ea typeface="+mn-ea"/>
+                          <a:cs typeface="+mn-cs"/>
+                        </a:rPr>
+                        <a:t>-optics phenomena in </a:t>
+                      </a:r>
+                      <a:r>
+                        <a:rPr lang="en-US" altLang="zh-CN" sz="1600" kern="1200" dirty="0" err="1" smtClean="0">
+                          <a:solidFill>
+                            <a:schemeClr val="tx1"/>
+                          </a:solidFill>
+                          <a:latin typeface="+mn-lt"/>
+                          <a:ea typeface="+mn-ea"/>
+                          <a:cs typeface="+mn-cs"/>
+                        </a:rPr>
+                        <a:t>plasmonic</a:t>
+                      </a:r>
+                      <a:r>
+                        <a:rPr lang="en-US" altLang="zh-CN" sz="1600" kern="1200" dirty="0" smtClean="0">
+                          <a:solidFill>
+                            <a:schemeClr val="tx1"/>
+                          </a:solidFill>
+                          <a:latin typeface="+mn-lt"/>
+                          <a:ea typeface="+mn-ea"/>
+                          <a:cs typeface="+mn-cs"/>
+                        </a:rPr>
+                        <a:t> particle-on-film </a:t>
+                      </a:r>
+                      <a:r>
+                        <a:rPr lang="en-US" altLang="zh-CN" sz="1600" kern="1200" dirty="0" err="1" smtClean="0">
+                          <a:solidFill>
+                            <a:schemeClr val="tx1"/>
+                          </a:solidFill>
+                          <a:latin typeface="+mn-lt"/>
+                          <a:ea typeface="+mn-ea"/>
+                          <a:cs typeface="+mn-cs"/>
+                        </a:rPr>
+                        <a:t>nanocavities</a:t>
+                      </a:r>
+                      <a:endParaRPr lang="en-US" altLang="zh-CN" sz="1600" kern="1200" dirty="0" smtClean="0">
+                        <a:solidFill>
+                          <a:schemeClr val="tx1"/>
+                        </a:solidFill>
+                        <a:latin typeface="+mn-lt"/>
+                        <a:ea typeface="+mn-ea"/>
+                        <a:cs typeface="+mn-cs"/>
+                      </a:endParaRPr>
+                    </a:p>
+                    <a:p>
+                      <a:r>
+                        <a:rPr lang="en-US" altLang="zh-CN" sz="1800" kern="1200" dirty="0" err="1" smtClean="0">
+                          <a:solidFill>
+                            <a:schemeClr val="tx1"/>
+                          </a:solidFill>
+                          <a:latin typeface="+mn-lt"/>
+                          <a:ea typeface="+mn-ea"/>
+                          <a:cs typeface="+mn-cs"/>
+                        </a:rPr>
+                        <a:t>Dangyuan</a:t>
+                      </a:r>
+                      <a:r>
+                        <a:rPr lang="en-US" altLang="zh-CN" sz="1800" kern="1200" dirty="0" smtClean="0">
+                          <a:solidFill>
+                            <a:schemeClr val="tx1"/>
+                          </a:solidFill>
+                          <a:latin typeface="+mn-lt"/>
+                          <a:ea typeface="+mn-ea"/>
+                          <a:cs typeface="+mn-cs"/>
+                        </a:rPr>
+                        <a:t> lei (</a:t>
+                      </a:r>
+                      <a:r>
+                        <a:rPr lang="zh-CN" altLang="en-US" sz="1800" kern="1200" dirty="0" smtClean="0">
+                          <a:solidFill>
+                            <a:schemeClr val="tx1"/>
+                          </a:solidFill>
+                          <a:latin typeface="+mn-lt"/>
+                          <a:ea typeface="+mn-ea"/>
+                          <a:cs typeface="+mn-cs"/>
+                        </a:rPr>
+                        <a:t>雷黨願</a:t>
+                      </a:r>
+                      <a:r>
+                        <a:rPr lang="x-none" altLang="zh-CN" sz="1800" kern="1200" dirty="0" smtClean="0">
+                          <a:solidFill>
+                            <a:schemeClr val="tx1"/>
+                          </a:solidFill>
+                          <a:latin typeface="+mn-lt"/>
+                          <a:ea typeface="+mn-ea"/>
+                          <a:cs typeface="+mn-cs"/>
                         </a:rPr>
                         <a:t>)</a:t>
                       </a:r>
-                      <a:endParaRPr lang="zh-CN" altLang="en-US" sz="1800" b="0" dirty="0" smtClean="0">
-                        <a:latin typeface="+mn-lt"/>
-                      </a:endParaRPr>
                     </a:p>
                   </a:txBody>
                   <a:tcPr anchor="ctr"/>
@@ -4908,7 +4905,7 @@
     </p:spTree>
     <p:extLst>
       <p:ext uri="{BB962C8B-B14F-4D97-AF65-F5344CB8AC3E}">
-        <p14:creationId xmlns:p14="http://schemas.microsoft.com/office/powerpoint/2010/main" val="3254122556"/>
+        <p14:creationId xmlns:p14="http://schemas.microsoft.com/office/powerpoint/2010/main" val="2713193755"/>
       </p:ext>
     </p:extLst>
   </p:cSld>
@@ -5003,16 +5000,12 @@
             <a:graphicFrameLocks noGrp="1"/>
           </p:cNvGraphicFramePr>
           <p:nvPr>
-            <p:extLst>
-              <p:ext uri="{D42A27DB-BD31-4B8C-83A1-F6EECF244321}">
-                <p14:modId xmlns:p14="http://schemas.microsoft.com/office/powerpoint/2010/main" val="125165804"/>
-              </p:ext>
-            </p:extLst>
+            <p:extLst/>
           </p:nvPr>
         </p:nvGraphicFramePr>
         <p:xfrm>
           <a:off x="1781932" y="1193650"/>
-          <a:ext cx="9072000" cy="5462397"/>
+          <a:ext cx="9072000" cy="5669280"/>
         </p:xfrm>
         <a:graphic>
           <a:graphicData uri="http://schemas.openxmlformats.org/drawingml/2006/table">
@@ -5077,18 +5070,7 @@
                           <a:ea typeface="+mn-ea"/>
                           <a:cs typeface="+mn-cs"/>
                         </a:rPr>
-                        <a:t>Engineered </a:t>
-                      </a:r>
-                      <a:r>
-                        <a:rPr lang="en-US" altLang="zh-CN" sz="1800" b="0" kern="1200" dirty="0" smtClean="0">
-                          <a:solidFill>
-                            <a:schemeClr val="tx1"/>
-                          </a:solidFill>
-                          <a:latin typeface="+mn-lt"/>
-                          <a:ea typeface="+mn-ea"/>
-                          <a:cs typeface="+mn-cs"/>
-                        </a:rPr>
-                        <a:t>Light Emission Rate in Two-dimensional Molecular Aggregates</a:t>
+                        <a:t>Engineered Light Emission Rate in Two-dimensional Molecular Aggregates</a:t>
                       </a:r>
                     </a:p>
                     <a:p>
@@ -5397,19 +5379,7 @@
                         <a:rPr lang="en-US" altLang="zh-CN" sz="1800" dirty="0" smtClean="0">
                           <a:latin typeface="+mn-lt"/>
                         </a:rPr>
-                        <a:t>Kam </a:t>
-                      </a:r>
-                      <a:r>
-                        <a:rPr lang="en-US" altLang="zh-CN" sz="1800" dirty="0" smtClean="0">
-                          <a:latin typeface="+mn-lt"/>
-                        </a:rPr>
-                        <a:t>Sing Wong </a:t>
-                      </a:r>
-                      <a:r>
-                        <a:rPr lang="en-US" altLang="zh-CN" sz="1800" dirty="0" smtClean="0">
-                          <a:latin typeface="+mn-lt"/>
-                        </a:rPr>
-                        <a:t>(</a:t>
+                        <a:t>Kam Sing Wong (</a:t>
                       </a:r>
                       <a:r>
                         <a:rPr lang="zh-CN" altLang="en-US" sz="1800" b="0" i="0" kern="1200" dirty="0" smtClean="0">
@@ -5633,25 +5603,13 @@
                         <a:rPr lang="en-US" altLang="zh-CN" sz="1800" dirty="0" smtClean="0">
                           <a:latin typeface="+mn-lt"/>
                         </a:rPr>
-                        <a:t>Kin </a:t>
-                      </a:r>
-                      <a:r>
-                        <a:rPr lang="en-US" altLang="zh-CN" sz="1800" dirty="0" smtClean="0">
-                          <a:latin typeface="+mn-lt"/>
-                        </a:rPr>
-                        <a:t>hung</a:t>
+                        <a:t>Kin hung</a:t>
                       </a:r>
                       <a:r>
                         <a:rPr lang="en-US" altLang="zh-CN" sz="1800" baseline="0" dirty="0" smtClean="0">
                           <a:latin typeface="+mn-lt"/>
                         </a:rPr>
-                        <a:t> </a:t>
-                      </a:r>
-                      <a:r>
-                        <a:rPr lang="en-US" altLang="zh-CN" sz="1800" baseline="0" dirty="0" smtClean="0">
-                          <a:latin typeface="+mn-lt"/>
-                        </a:rPr>
-                        <a:t>Fung (</a:t>
+                        <a:t> Fung (</a:t>
                       </a:r>
                       <a:r>
                         <a:rPr lang="zh-CN" altLang="en-US" dirty="0" smtClean="0"/>
@@ -5757,7 +5715,7 @@
     </p:spTree>
     <p:extLst>
       <p:ext uri="{BB962C8B-B14F-4D97-AF65-F5344CB8AC3E}">
-        <p14:creationId xmlns:p14="http://schemas.microsoft.com/office/powerpoint/2010/main" val="2927872243"/>
+        <p14:creationId xmlns:p14="http://schemas.microsoft.com/office/powerpoint/2010/main" val="944568381"/>
       </p:ext>
     </p:extLst>
   </p:cSld>
@@ -5839,7 +5797,11 @@
             </a:r>
             <a:r>
               <a:rPr lang="en-US" altLang="zh-CN" sz="2400" b="1" dirty="0" smtClean="0"/>
-              <a:t> 14:30-17:40)</a:t>
+              <a:t> </a:t>
+            </a:r>
+            <a:r>
+              <a:rPr lang="en-US" altLang="zh-CN" sz="2400" b="1" dirty="0" smtClean="0"/>
+              <a:t>14:30-18:15)</a:t>
             </a:r>
             <a:endParaRPr lang="zh-CN" altLang="en-US" sz="2400" b="1" dirty="0"/>
           </a:p>
@@ -5852,16 +5814,12 @@
             <a:graphicFrameLocks noGrp="1"/>
           </p:cNvGraphicFramePr>
           <p:nvPr>
-            <p:extLst>
-              <p:ext uri="{D42A27DB-BD31-4B8C-83A1-F6EECF244321}">
-                <p14:modId xmlns:p14="http://schemas.microsoft.com/office/powerpoint/2010/main" val="4209256886"/>
-              </p:ext>
-            </p:extLst>
+            <p:extLst/>
           </p:nvPr>
         </p:nvGraphicFramePr>
         <p:xfrm>
           <a:off x="1791456" y="1106424"/>
-          <a:ext cx="9072000" cy="5791581"/>
+          <a:ext cx="9072000" cy="6748272"/>
         </p:xfrm>
         <a:graphic>
           <a:graphicData uri="http://schemas.openxmlformats.org/drawingml/2006/table">
@@ -6506,7 +6464,7 @@
                   <a:tcPr anchor="ctr"/>
                 </a:tc>
               </a:tr>
-              <a:tr h="350520">
+              <a:tr h="374904">
                 <a:tc>
                   <a:txBody>
                     <a:bodyPr/>
@@ -6521,7 +6479,7 @@
                         <a:rPr lang="en-US" altLang="zh-CN" sz="1800" dirty="0" smtClean="0">
                           <a:latin typeface="+mn-lt"/>
                         </a:rPr>
-                        <a:t>17:25-17:40</a:t>
+                        <a:t>17:25-17:50</a:t>
                       </a:r>
                       <a:endParaRPr lang="zh-CN" altLang="en-US" sz="1800" dirty="0">
                         <a:latin typeface="+mn-lt"/>
@@ -6603,6 +6561,91 @@
                   <a:tcPr anchor="ctr"/>
                 </a:tc>
               </a:tr>
+              <a:tr h="374904">
+                <a:tc>
+                  <a:txBody>
+                    <a:bodyPr/>
+                    <a:lstStyle/>
+                    <a:p>
+                      <a:pPr>
+                        <a:lnSpc>
+                          <a:spcPct val="120000"/>
+                        </a:lnSpc>
+                      </a:pPr>
+                      <a:r>
+                        <a:rPr lang="en-US" altLang="zh-CN" sz="1800" dirty="0" smtClean="0">
+                          <a:latin typeface="+mn-lt"/>
+                        </a:rPr>
+                        <a:t>17:50-18:15</a:t>
+                      </a:r>
+                      <a:endParaRPr lang="zh-CN" altLang="en-US" sz="1800" dirty="0">
+                        <a:latin typeface="+mn-lt"/>
+                      </a:endParaRPr>
+                    </a:p>
+                  </a:txBody>
+                  <a:tcPr anchor="ctr"/>
+                </a:tc>
+                <a:tc>
+                  <a:txBody>
+                    <a:bodyPr/>
+                    <a:lstStyle/>
+                    <a:p>
+                      <a:pPr>
+                        <a:lnSpc>
+                          <a:spcPct val="120000"/>
+                        </a:lnSpc>
+                      </a:pPr>
+                      <a:r>
+                        <a:rPr lang="en-US" altLang="zh-CN" sz="1800" b="0" dirty="0" smtClean="0">
+                          <a:latin typeface="+mn-lt"/>
+                        </a:rPr>
+                        <a:t>Elastic</a:t>
+                      </a:r>
+                      <a:r>
+                        <a:rPr lang="en-US" altLang="zh-CN" sz="1800" b="0" baseline="0" dirty="0" smtClean="0">
+                          <a:latin typeface="+mn-lt"/>
+                        </a:rPr>
+                        <a:t> metasurfaces</a:t>
+                      </a:r>
+                      <a:endParaRPr lang="en-US" altLang="zh-CN" sz="1800" b="0" dirty="0" smtClean="0">
+                        <a:latin typeface="+mn-lt"/>
+                      </a:endParaRPr>
+                    </a:p>
+                    <a:p>
+                      <a:pPr>
+                        <a:lnSpc>
+                          <a:spcPct val="120000"/>
+                        </a:lnSpc>
+                      </a:pPr>
+                      <a:r>
+                        <a:rPr lang="en-US" altLang="zh-CN" sz="1800" b="0" dirty="0" smtClean="0">
+                          <a:latin typeface="+mn-lt"/>
+                        </a:rPr>
+                        <a:t>Jensen Li (</a:t>
+                      </a:r>
+                      <a:r>
+                        <a:rPr lang="zh-CN" altLang="en-US" sz="1800" b="0" i="0" kern="1200" dirty="0" smtClean="0">
+                          <a:solidFill>
+                            <a:schemeClr val="tx1"/>
+                          </a:solidFill>
+                          <a:effectLst/>
+                          <a:latin typeface="+mn-lt"/>
+                          <a:ea typeface="+mn-ea"/>
+                          <a:cs typeface="+mn-cs"/>
+                        </a:rPr>
+                        <a:t>李贊恒</a:t>
+                      </a:r>
+                      <a:r>
+                        <a:rPr lang="en-US" altLang="zh-CN" sz="1800" b="0" dirty="0" smtClean="0">
+                          <a:latin typeface="+mn-lt"/>
+                        </a:rPr>
+                        <a:t>)</a:t>
+                      </a:r>
+                    </a:p>
+                  </a:txBody>
+                  <a:tcPr anchor="ctr"/>
+                </a:tc>
+              </a:tr>
             </a:tbl>
           </a:graphicData>
         </a:graphic>
@@ -6610,7 +6653,7 @@
     </p:spTree>
     <p:extLst>
       <p:ext uri="{BB962C8B-B14F-4D97-AF65-F5344CB8AC3E}">
-        <p14:creationId xmlns:p14="http://schemas.microsoft.com/office/powerpoint/2010/main" val="1678046926"/>
+        <p14:creationId xmlns:p14="http://schemas.microsoft.com/office/powerpoint/2010/main" val="4199865966"/>
       </p:ext>
     </p:extLst>
   </p:cSld>

--- a/text/Program.pptx
+++ b/text/Program.pptx
@@ -247,7 +247,7 @@
           <a:p>
             <a:fld id="{D0B35E32-9907-4F95-B048-8C7490A1B878}" type="datetimeFigureOut">
               <a:rPr lang="zh-CN" altLang="en-US" smtClean="0"/>
-              <a:t>2018/5/11</a:t>
+              <a:t>2018/6/5</a:t>
             </a:fld>
             <a:endParaRPr lang="zh-CN" altLang="en-US"/>
           </a:p>
@@ -417,7 +417,7 @@
           <a:p>
             <a:fld id="{D0B35E32-9907-4F95-B048-8C7490A1B878}" type="datetimeFigureOut">
               <a:rPr lang="zh-CN" altLang="en-US" smtClean="0"/>
-              <a:t>2018/5/11</a:t>
+              <a:t>2018/6/5</a:t>
             </a:fld>
             <a:endParaRPr lang="zh-CN" altLang="en-US"/>
           </a:p>
@@ -597,7 +597,7 @@
           <a:p>
             <a:fld id="{D0B35E32-9907-4F95-B048-8C7490A1B878}" type="datetimeFigureOut">
               <a:rPr lang="zh-CN" altLang="en-US" smtClean="0"/>
-              <a:t>2018/5/11</a:t>
+              <a:t>2018/6/5</a:t>
             </a:fld>
             <a:endParaRPr lang="zh-CN" altLang="en-US"/>
           </a:p>
@@ -767,7 +767,7 @@
           <a:p>
             <a:fld id="{D0B35E32-9907-4F95-B048-8C7490A1B878}" type="datetimeFigureOut">
               <a:rPr lang="zh-CN" altLang="en-US" smtClean="0"/>
-              <a:t>2018/5/11</a:t>
+              <a:t>2018/6/5</a:t>
             </a:fld>
             <a:endParaRPr lang="zh-CN" altLang="en-US"/>
           </a:p>
@@ -1013,7 +1013,7 @@
           <a:p>
             <a:fld id="{D0B35E32-9907-4F95-B048-8C7490A1B878}" type="datetimeFigureOut">
               <a:rPr lang="zh-CN" altLang="en-US" smtClean="0"/>
-              <a:t>2018/5/11</a:t>
+              <a:t>2018/6/5</a:t>
             </a:fld>
             <a:endParaRPr lang="zh-CN" altLang="en-US"/>
           </a:p>
@@ -1245,7 +1245,7 @@
           <a:p>
             <a:fld id="{D0B35E32-9907-4F95-B048-8C7490A1B878}" type="datetimeFigureOut">
               <a:rPr lang="zh-CN" altLang="en-US" smtClean="0"/>
-              <a:t>2018/5/11</a:t>
+              <a:t>2018/6/5</a:t>
             </a:fld>
             <a:endParaRPr lang="zh-CN" altLang="en-US"/>
           </a:p>
@@ -1612,7 +1612,7 @@
           <a:p>
             <a:fld id="{D0B35E32-9907-4F95-B048-8C7490A1B878}" type="datetimeFigureOut">
               <a:rPr lang="zh-CN" altLang="en-US" smtClean="0"/>
-              <a:t>2018/5/11</a:t>
+              <a:t>2018/6/5</a:t>
             </a:fld>
             <a:endParaRPr lang="zh-CN" altLang="en-US"/>
           </a:p>
@@ -1730,7 +1730,7 @@
           <a:p>
             <a:fld id="{D0B35E32-9907-4F95-B048-8C7490A1B878}" type="datetimeFigureOut">
               <a:rPr lang="zh-CN" altLang="en-US" smtClean="0"/>
-              <a:t>2018/5/11</a:t>
+              <a:t>2018/6/5</a:t>
             </a:fld>
             <a:endParaRPr lang="zh-CN" altLang="en-US"/>
           </a:p>
@@ -1825,7 +1825,7 @@
           <a:p>
             <a:fld id="{D0B35E32-9907-4F95-B048-8C7490A1B878}" type="datetimeFigureOut">
               <a:rPr lang="zh-CN" altLang="en-US" smtClean="0"/>
-              <a:t>2018/5/11</a:t>
+              <a:t>2018/6/5</a:t>
             </a:fld>
             <a:endParaRPr lang="zh-CN" altLang="en-US"/>
           </a:p>
@@ -2102,7 +2102,7 @@
           <a:p>
             <a:fld id="{D0B35E32-9907-4F95-B048-8C7490A1B878}" type="datetimeFigureOut">
               <a:rPr lang="zh-CN" altLang="en-US" smtClean="0"/>
-              <a:t>2018/5/11</a:t>
+              <a:t>2018/6/5</a:t>
             </a:fld>
             <a:endParaRPr lang="zh-CN" altLang="en-US"/>
           </a:p>
@@ -2355,7 +2355,7 @@
           <a:p>
             <a:fld id="{D0B35E32-9907-4F95-B048-8C7490A1B878}" type="datetimeFigureOut">
               <a:rPr lang="zh-CN" altLang="en-US" smtClean="0"/>
-              <a:t>2018/5/11</a:t>
+              <a:t>2018/6/5</a:t>
             </a:fld>
             <a:endParaRPr lang="zh-CN" altLang="en-US"/>
           </a:p>
@@ -2568,7 +2568,7 @@
           <a:p>
             <a:fld id="{D0B35E32-9907-4F95-B048-8C7490A1B878}" type="datetimeFigureOut">
               <a:rPr lang="zh-CN" altLang="en-US" smtClean="0"/>
-              <a:t>2018/5/11</a:t>
+              <a:t>2018/6/5</a:t>
             </a:fld>
             <a:endParaRPr lang="zh-CN" altLang="en-US"/>
           </a:p>
@@ -3256,6 +3256,106 @@
           </a:p>
         </p:txBody>
       </p:sp>
+      <p:grpSp>
+        <p:nvGrpSpPr>
+          <p:cNvPr id="5" name="组合 4"/>
+          <p:cNvGrpSpPr/>
+          <p:nvPr/>
+        </p:nvGrpSpPr>
+        <p:grpSpPr>
+          <a:xfrm>
+            <a:off x="363087" y="1254798"/>
+            <a:ext cx="2961905" cy="3169552"/>
+            <a:chOff x="363087" y="1254798"/>
+            <a:chExt cx="2961905" cy="3169552"/>
+          </a:xfrm>
+        </p:grpSpPr>
+        <p:pic>
+          <p:nvPicPr>
+            <p:cNvPr id="3" name="图片 2"/>
+            <p:cNvPicPr>
+              <a:picLocks noChangeAspect="1"/>
+            </p:cNvPicPr>
+            <p:nvPr/>
+          </p:nvPicPr>
+          <p:blipFill>
+            <a:blip r:embed="rId2">
+              <a:extLst>
+                <a:ext uri="{28A0092B-C50C-407E-A947-70E740481C1C}">
+                  <a14:useLocalDpi xmlns:a14="http://schemas.microsoft.com/office/drawing/2010/main" val="0"/>
+                </a:ext>
+              </a:extLst>
+            </a:blip>
+            <a:stretch>
+              <a:fillRect/>
+            </a:stretch>
+          </p:blipFill>
+          <p:spPr>
+            <a:xfrm>
+              <a:off x="363087" y="1254798"/>
+              <a:ext cx="2961905" cy="2647619"/>
+            </a:xfrm>
+            <a:prstGeom prst="rect">
+              <a:avLst/>
+            </a:prstGeom>
+          </p:spPr>
+        </p:pic>
+        <p:sp>
+          <p:nvSpPr>
+            <p:cNvPr id="4" name="文本框 3"/>
+            <p:cNvSpPr txBox="1"/>
+            <p:nvPr/>
+          </p:nvSpPr>
+          <p:spPr>
+            <a:xfrm>
+              <a:off x="443655" y="3778019"/>
+              <a:ext cx="2800767" cy="646331"/>
+            </a:xfrm>
+            <a:prstGeom prst="rect">
+              <a:avLst/>
+            </a:prstGeom>
+            <a:noFill/>
+          </p:spPr>
+          <p:txBody>
+            <a:bodyPr wrap="none" rtlCol="0">
+              <a:spAutoFit/>
+            </a:bodyPr>
+            <a:lstStyle/>
+            <a:p>
+              <a:r>
+                <a:rPr lang="en-US" altLang="zh-CN" sz="3600" dirty="0" err="1" smtClean="0">
+                  <a:solidFill>
+                    <a:srgbClr val="053972"/>
+                  </a:solidFill>
+                  <a:latin typeface="Arial Unicode MS" panose="020B0604020202020204" pitchFamily="34" charset="-122"/>
+                  <a:ea typeface="Arial Unicode MS" panose="020B0604020202020204" pitchFamily="34" charset="-122"/>
+                  <a:cs typeface="Arial Unicode MS" panose="020B0604020202020204" pitchFamily="34" charset="-122"/>
+                </a:rPr>
+                <a:t>AoE</a:t>
+              </a:r>
+              <a:r>
+                <a:rPr lang="en-US" altLang="zh-CN" sz="3600" dirty="0" smtClean="0">
+                  <a:solidFill>
+                    <a:srgbClr val="053972"/>
+                  </a:solidFill>
+                  <a:latin typeface="Arial Unicode MS" panose="020B0604020202020204" pitchFamily="34" charset="-122"/>
+                  <a:ea typeface="Arial Unicode MS" panose="020B0604020202020204" pitchFamily="34" charset="-122"/>
+                  <a:cs typeface="Arial Unicode MS" panose="020B0604020202020204" pitchFamily="34" charset="-122"/>
+                </a:rPr>
+                <a:t>/P-02/12</a:t>
+              </a:r>
+              <a:endParaRPr lang="zh-CN" altLang="en-US" sz="3600" dirty="0">
+                <a:solidFill>
+                  <a:srgbClr val="053972"/>
+                </a:solidFill>
+                <a:latin typeface="Arial Unicode MS" panose="020B0604020202020204" pitchFamily="34" charset="-122"/>
+                <a:ea typeface="Arial Unicode MS" panose="020B0604020202020204" pitchFamily="34" charset="-122"/>
+                <a:cs typeface="Arial Unicode MS" panose="020B0604020202020204" pitchFamily="34" charset="-122"/>
+              </a:endParaRPr>
+            </a:p>
+          </p:txBody>
+        </p:sp>
+      </p:grpSp>
     </p:spTree>
     <p:extLst>
       <p:ext uri="{BB962C8B-B14F-4D97-AF65-F5344CB8AC3E}">
@@ -4147,15 +4247,7 @@
             </a:r>
             <a:r>
               <a:rPr lang="en-US" altLang="zh-CN" sz="2400" b="1" dirty="0" smtClean="0"/>
-              <a:t>   </a:t>
-            </a:r>
-            <a:r>
-              <a:rPr lang="en-US" altLang="zh-CN" sz="2400" b="1" dirty="0" smtClean="0"/>
-              <a:t>14:30-17:50</a:t>
-            </a:r>
-            <a:r>
-              <a:rPr lang="en-US" altLang="zh-CN" sz="2400" b="1" dirty="0" smtClean="0"/>
-              <a:t>)</a:t>
+              <a:t>   14:30-17:50)</a:t>
             </a:r>
             <a:endParaRPr lang="zh-CN" altLang="en-US" sz="2400" b="1" dirty="0"/>
           </a:p>
@@ -5797,11 +5889,7 @@
             </a:r>
             <a:r>
               <a:rPr lang="en-US" altLang="zh-CN" sz="2400" b="1" dirty="0" smtClean="0"/>
-              <a:t> </a:t>
-            </a:r>
-            <a:r>
-              <a:rPr lang="en-US" altLang="zh-CN" sz="2400" b="1" dirty="0" smtClean="0"/>
-              <a:t>14:30-18:15)</a:t>
+              <a:t> 14:30-18:15)</a:t>
             </a:r>
             <a:endParaRPr lang="zh-CN" altLang="en-US" sz="2400" b="1" dirty="0"/>
           </a:p>
